--- a/XX - TEMPLATE/TEMPLATE.pptx
+++ b/XX - TEMPLATE/TEMPLATE.pptx
@@ -39,7 +39,7 @@
             <a:spLocks noGrp="1"/>
           </p:cNvSpPr>
           <p:nvPr>
-            <p:ph type="ftr" idx="2"/>
+            <p:ph type="ftr" idx="1"/>
           </p:nvPr>
         </p:nvSpPr>
         <p:spPr/>
@@ -59,14 +59,14 @@
             <a:spLocks noGrp="1"/>
           </p:cNvSpPr>
           <p:nvPr>
-            <p:ph type="sldNum" idx="3"/>
+            <p:ph type="sldNum" idx="2"/>
           </p:nvPr>
         </p:nvSpPr>
         <p:spPr/>
         <p:txBody>
           <a:bodyPr/>
           <a:p>
-            <a:fld id="{BF8BDE0E-D9AA-4329-9F50-A8012B591BD0}" type="slidenum">
+            <a:fld id="{F1B7311E-75D9-47B3-98F1-1789B489CAF6}" type="slidenum">
               <a:t>&lt;#&gt;</a:t>
             </a:fld>
           </a:p>
@@ -79,7 +79,7 @@
             <a:spLocks noGrp="1"/>
           </p:cNvSpPr>
           <p:nvPr>
-            <p:ph type="dt" idx="1"/>
+            <p:ph type="dt" idx="3"/>
           </p:nvPr>
         </p:nvSpPr>
         <p:spPr/>
@@ -127,8 +127,8 @@
         </p:nvSpPr>
         <p:spPr>
           <a:xfrm>
-            <a:off x="838080" y="365040"/>
-            <a:ext cx="10515240" cy="1325160"/>
+            <a:off x="609480" y="273600"/>
+            <a:ext cx="10972440" cy="1144800"/>
           </a:xfrm>
           <a:prstGeom prst="rect">
             <a:avLst/>
@@ -143,11 +143,11 @@
             <a:noAutofit/>
           </a:bodyPr>
           <a:p>
-            <a:endParaRPr b="0" lang="en-US" sz="1800" spc="-1" strike="noStrike">
-              <a:solidFill>
-                <a:srgbClr val="000000"/>
-              </a:solidFill>
-              <a:latin typeface="Amasis MT Pro Medium"/>
+            <a:pPr algn="ctr">
+              <a:buNone/>
+            </a:pPr>
+            <a:endParaRPr b="0" lang="en-CA" sz="4400" spc="-1" strike="noStrike">
+              <a:latin typeface="Arial"/>
             </a:endParaRPr>
           </a:p>
         </p:txBody>
@@ -164,8 +164,8 @@
         </p:nvSpPr>
         <p:spPr>
           <a:xfrm>
-            <a:off x="838080" y="1825560"/>
-            <a:ext cx="10515240" cy="2075040"/>
+            <a:off x="609480" y="1604520"/>
+            <a:ext cx="10972440" cy="1896840"/>
           </a:xfrm>
           <a:prstGeom prst="rect">
             <a:avLst/>
@@ -180,20 +180,8 @@
             <a:normAutofit/>
           </a:bodyPr>
           <a:p>
-            <a:pPr>
-              <a:lnSpc>
-                <a:spcPct val="90000"/>
-              </a:lnSpc>
-              <a:spcBef>
-                <a:spcPts val="1417"/>
-              </a:spcBef>
-              <a:buNone/>
-            </a:pPr>
-            <a:endParaRPr b="0" lang="en-US" sz="2800" spc="-1" strike="noStrike">
-              <a:solidFill>
-                <a:srgbClr val="000000"/>
-              </a:solidFill>
-              <a:latin typeface="Amasis MT Pro Medium"/>
+            <a:endParaRPr b="0" lang="en-CA" sz="3200" spc="-1" strike="noStrike">
+              <a:latin typeface="Arial"/>
             </a:endParaRPr>
           </a:p>
         </p:txBody>
@@ -210,8 +198,8 @@
         </p:nvSpPr>
         <p:spPr>
           <a:xfrm>
-            <a:off x="838080" y="4098240"/>
-            <a:ext cx="10515240" cy="2075040"/>
+            <a:off x="609480" y="3682080"/>
+            <a:ext cx="10972440" cy="1896840"/>
           </a:xfrm>
           <a:prstGeom prst="rect">
             <a:avLst/>
@@ -226,20 +214,8 @@
             <a:normAutofit/>
           </a:bodyPr>
           <a:p>
-            <a:pPr>
-              <a:lnSpc>
-                <a:spcPct val="90000"/>
-              </a:lnSpc>
-              <a:spcBef>
-                <a:spcPts val="1417"/>
-              </a:spcBef>
-              <a:buNone/>
-            </a:pPr>
-            <a:endParaRPr b="0" lang="en-US" sz="2800" spc="-1" strike="noStrike">
-              <a:solidFill>
-                <a:srgbClr val="000000"/>
-              </a:solidFill>
-              <a:latin typeface="Amasis MT Pro Medium"/>
+            <a:endParaRPr b="0" lang="en-CA" sz="3200" spc="-1" strike="noStrike">
+              <a:latin typeface="Arial"/>
             </a:endParaRPr>
           </a:p>
         </p:txBody>
@@ -251,7 +227,7 @@
             <a:spLocks noGrp="1"/>
           </p:cNvSpPr>
           <p:nvPr>
-            <p:ph type="ftr" idx="2"/>
+            <p:ph type="ftr" idx="1"/>
           </p:nvPr>
         </p:nvSpPr>
         <p:spPr/>
@@ -271,14 +247,14 @@
             <a:spLocks noGrp="1"/>
           </p:cNvSpPr>
           <p:nvPr>
-            <p:ph type="sldNum" idx="3"/>
+            <p:ph type="sldNum" idx="2"/>
           </p:nvPr>
         </p:nvSpPr>
         <p:spPr/>
         <p:txBody>
           <a:bodyPr/>
           <a:p>
-            <a:fld id="{0090E1EF-7BEF-4552-8768-FE7F1F730235}" type="slidenum">
+            <a:fld id="{B6ED9823-DEA3-48FF-AC37-FD1B4083EE59}" type="slidenum">
               <a:t>&lt;#&gt;</a:t>
             </a:fld>
           </a:p>
@@ -291,7 +267,7 @@
             <a:spLocks noGrp="1"/>
           </p:cNvSpPr>
           <p:nvPr>
-            <p:ph type="dt" idx="1"/>
+            <p:ph type="dt" idx="3"/>
           </p:nvPr>
         </p:nvSpPr>
         <p:spPr/>
@@ -339,8 +315,8 @@
         </p:nvSpPr>
         <p:spPr>
           <a:xfrm>
-            <a:off x="838080" y="365040"/>
-            <a:ext cx="10515240" cy="1325160"/>
+            <a:off x="609480" y="273600"/>
+            <a:ext cx="10972440" cy="1144800"/>
           </a:xfrm>
           <a:prstGeom prst="rect">
             <a:avLst/>
@@ -355,11 +331,11 @@
             <a:noAutofit/>
           </a:bodyPr>
           <a:p>
-            <a:endParaRPr b="0" lang="en-US" sz="1800" spc="-1" strike="noStrike">
-              <a:solidFill>
-                <a:srgbClr val="000000"/>
-              </a:solidFill>
-              <a:latin typeface="Amasis MT Pro Medium"/>
+            <a:pPr algn="ctr">
+              <a:buNone/>
+            </a:pPr>
+            <a:endParaRPr b="0" lang="en-CA" sz="4400" spc="-1" strike="noStrike">
+              <a:latin typeface="Arial"/>
             </a:endParaRPr>
           </a:p>
         </p:txBody>
@@ -376,8 +352,8 @@
         </p:nvSpPr>
         <p:spPr>
           <a:xfrm>
-            <a:off x="838080" y="1825560"/>
-            <a:ext cx="5131080" cy="2075040"/>
+            <a:off x="609480" y="1604520"/>
+            <a:ext cx="5354280" cy="1896840"/>
           </a:xfrm>
           <a:prstGeom prst="rect">
             <a:avLst/>
@@ -392,20 +368,8 @@
             <a:normAutofit/>
           </a:bodyPr>
           <a:p>
-            <a:pPr>
-              <a:lnSpc>
-                <a:spcPct val="90000"/>
-              </a:lnSpc>
-              <a:spcBef>
-                <a:spcPts val="1417"/>
-              </a:spcBef>
-              <a:buNone/>
-            </a:pPr>
-            <a:endParaRPr b="0" lang="en-US" sz="2800" spc="-1" strike="noStrike">
-              <a:solidFill>
-                <a:srgbClr val="000000"/>
-              </a:solidFill>
-              <a:latin typeface="Amasis MT Pro Medium"/>
+            <a:endParaRPr b="0" lang="en-CA" sz="3200" spc="-1" strike="noStrike">
+              <a:latin typeface="Arial"/>
             </a:endParaRPr>
           </a:p>
         </p:txBody>
@@ -422,8 +386,8 @@
         </p:nvSpPr>
         <p:spPr>
           <a:xfrm>
-            <a:off x="6226200" y="1825560"/>
-            <a:ext cx="5131080" cy="2075040"/>
+            <a:off x="6231960" y="1604520"/>
+            <a:ext cx="5354280" cy="1896840"/>
           </a:xfrm>
           <a:prstGeom prst="rect">
             <a:avLst/>
@@ -438,20 +402,8 @@
             <a:normAutofit/>
           </a:bodyPr>
           <a:p>
-            <a:pPr>
-              <a:lnSpc>
-                <a:spcPct val="90000"/>
-              </a:lnSpc>
-              <a:spcBef>
-                <a:spcPts val="1417"/>
-              </a:spcBef>
-              <a:buNone/>
-            </a:pPr>
-            <a:endParaRPr b="0" lang="en-US" sz="2800" spc="-1" strike="noStrike">
-              <a:solidFill>
-                <a:srgbClr val="000000"/>
-              </a:solidFill>
-              <a:latin typeface="Amasis MT Pro Medium"/>
+            <a:endParaRPr b="0" lang="en-CA" sz="3200" spc="-1" strike="noStrike">
+              <a:latin typeface="Arial"/>
             </a:endParaRPr>
           </a:p>
         </p:txBody>
@@ -468,8 +420,8 @@
         </p:nvSpPr>
         <p:spPr>
           <a:xfrm>
-            <a:off x="838080" y="4098240"/>
-            <a:ext cx="5131080" cy="2075040"/>
+            <a:off x="609480" y="3682080"/>
+            <a:ext cx="5354280" cy="1896840"/>
           </a:xfrm>
           <a:prstGeom prst="rect">
             <a:avLst/>
@@ -484,20 +436,8 @@
             <a:normAutofit/>
           </a:bodyPr>
           <a:p>
-            <a:pPr>
-              <a:lnSpc>
-                <a:spcPct val="90000"/>
-              </a:lnSpc>
-              <a:spcBef>
-                <a:spcPts val="1417"/>
-              </a:spcBef>
-              <a:buNone/>
-            </a:pPr>
-            <a:endParaRPr b="0" lang="en-US" sz="2800" spc="-1" strike="noStrike">
-              <a:solidFill>
-                <a:srgbClr val="000000"/>
-              </a:solidFill>
-              <a:latin typeface="Amasis MT Pro Medium"/>
+            <a:endParaRPr b="0" lang="en-CA" sz="3200" spc="-1" strike="noStrike">
+              <a:latin typeface="Arial"/>
             </a:endParaRPr>
           </a:p>
         </p:txBody>
@@ -514,8 +454,8 @@
         </p:nvSpPr>
         <p:spPr>
           <a:xfrm>
-            <a:off x="6226200" y="4098240"/>
-            <a:ext cx="5131080" cy="2075040"/>
+            <a:off x="6231960" y="3682080"/>
+            <a:ext cx="5354280" cy="1896840"/>
           </a:xfrm>
           <a:prstGeom prst="rect">
             <a:avLst/>
@@ -530,20 +470,8 @@
             <a:normAutofit/>
           </a:bodyPr>
           <a:p>
-            <a:pPr>
-              <a:lnSpc>
-                <a:spcPct val="90000"/>
-              </a:lnSpc>
-              <a:spcBef>
-                <a:spcPts val="1417"/>
-              </a:spcBef>
-              <a:buNone/>
-            </a:pPr>
-            <a:endParaRPr b="0" lang="en-US" sz="2800" spc="-1" strike="noStrike">
-              <a:solidFill>
-                <a:srgbClr val="000000"/>
-              </a:solidFill>
-              <a:latin typeface="Amasis MT Pro Medium"/>
+            <a:endParaRPr b="0" lang="en-CA" sz="3200" spc="-1" strike="noStrike">
+              <a:latin typeface="Arial"/>
             </a:endParaRPr>
           </a:p>
         </p:txBody>
@@ -555,7 +483,7 @@
             <a:spLocks noGrp="1"/>
           </p:cNvSpPr>
           <p:nvPr>
-            <p:ph type="ftr" idx="2"/>
+            <p:ph type="ftr" idx="1"/>
           </p:nvPr>
         </p:nvSpPr>
         <p:spPr/>
@@ -575,14 +503,14 @@
             <a:spLocks noGrp="1"/>
           </p:cNvSpPr>
           <p:nvPr>
-            <p:ph type="sldNum" idx="3"/>
+            <p:ph type="sldNum" idx="2"/>
           </p:nvPr>
         </p:nvSpPr>
         <p:spPr/>
         <p:txBody>
           <a:bodyPr/>
           <a:p>
-            <a:fld id="{8165399E-28D5-4782-BEF1-5A8101A3CF2A}" type="slidenum">
+            <a:fld id="{B7EE9FE1-16B3-4385-8357-A7F31CBC3C76}" type="slidenum">
               <a:t>&lt;#&gt;</a:t>
             </a:fld>
           </a:p>
@@ -595,7 +523,7 @@
             <a:spLocks noGrp="1"/>
           </p:cNvSpPr>
           <p:nvPr>
-            <p:ph type="dt" idx="1"/>
+            <p:ph type="dt" idx="3"/>
           </p:nvPr>
         </p:nvSpPr>
         <p:spPr/>
@@ -643,8 +571,8 @@
         </p:nvSpPr>
         <p:spPr>
           <a:xfrm>
-            <a:off x="838080" y="365040"/>
-            <a:ext cx="10515240" cy="1325160"/>
+            <a:off x="609480" y="273600"/>
+            <a:ext cx="10972440" cy="1144800"/>
           </a:xfrm>
           <a:prstGeom prst="rect">
             <a:avLst/>
@@ -659,11 +587,11 @@
             <a:noAutofit/>
           </a:bodyPr>
           <a:p>
-            <a:endParaRPr b="0" lang="en-US" sz="1800" spc="-1" strike="noStrike">
-              <a:solidFill>
-                <a:srgbClr val="000000"/>
-              </a:solidFill>
-              <a:latin typeface="Amasis MT Pro Medium"/>
+            <a:pPr algn="ctr">
+              <a:buNone/>
+            </a:pPr>
+            <a:endParaRPr b="0" lang="en-CA" sz="4400" spc="-1" strike="noStrike">
+              <a:latin typeface="Arial"/>
             </a:endParaRPr>
           </a:p>
         </p:txBody>
@@ -680,8 +608,8 @@
         </p:nvSpPr>
         <p:spPr>
           <a:xfrm>
-            <a:off x="838080" y="1825560"/>
-            <a:ext cx="3385800" cy="2075040"/>
+            <a:off x="609480" y="1604520"/>
+            <a:ext cx="3533040" cy="1896840"/>
           </a:xfrm>
           <a:prstGeom prst="rect">
             <a:avLst/>
@@ -696,20 +624,8 @@
             <a:normAutofit/>
           </a:bodyPr>
           <a:p>
-            <a:pPr>
-              <a:lnSpc>
-                <a:spcPct val="90000"/>
-              </a:lnSpc>
-              <a:spcBef>
-                <a:spcPts val="1417"/>
-              </a:spcBef>
-              <a:buNone/>
-            </a:pPr>
-            <a:endParaRPr b="0" lang="en-US" sz="2800" spc="-1" strike="noStrike">
-              <a:solidFill>
-                <a:srgbClr val="000000"/>
-              </a:solidFill>
-              <a:latin typeface="Amasis MT Pro Medium"/>
+            <a:endParaRPr b="0" lang="en-CA" sz="3200" spc="-1" strike="noStrike">
+              <a:latin typeface="Arial"/>
             </a:endParaRPr>
           </a:p>
         </p:txBody>
@@ -726,8 +642,8 @@
         </p:nvSpPr>
         <p:spPr>
           <a:xfrm>
-            <a:off x="4393440" y="1825560"/>
-            <a:ext cx="3385800" cy="2075040"/>
+            <a:off x="4319640" y="1604520"/>
+            <a:ext cx="3533040" cy="1896840"/>
           </a:xfrm>
           <a:prstGeom prst="rect">
             <a:avLst/>
@@ -742,20 +658,8 @@
             <a:normAutofit/>
           </a:bodyPr>
           <a:p>
-            <a:pPr>
-              <a:lnSpc>
-                <a:spcPct val="90000"/>
-              </a:lnSpc>
-              <a:spcBef>
-                <a:spcPts val="1417"/>
-              </a:spcBef>
-              <a:buNone/>
-            </a:pPr>
-            <a:endParaRPr b="0" lang="en-US" sz="2800" spc="-1" strike="noStrike">
-              <a:solidFill>
-                <a:srgbClr val="000000"/>
-              </a:solidFill>
-              <a:latin typeface="Amasis MT Pro Medium"/>
+            <a:endParaRPr b="0" lang="en-CA" sz="3200" spc="-1" strike="noStrike">
+              <a:latin typeface="Arial"/>
             </a:endParaRPr>
           </a:p>
         </p:txBody>
@@ -772,8 +676,8 @@
         </p:nvSpPr>
         <p:spPr>
           <a:xfrm>
-            <a:off x="7949160" y="1825560"/>
-            <a:ext cx="3385800" cy="2075040"/>
+            <a:off x="8029800" y="1604520"/>
+            <a:ext cx="3533040" cy="1896840"/>
           </a:xfrm>
           <a:prstGeom prst="rect">
             <a:avLst/>
@@ -788,20 +692,8 @@
             <a:normAutofit/>
           </a:bodyPr>
           <a:p>
-            <a:pPr>
-              <a:lnSpc>
-                <a:spcPct val="90000"/>
-              </a:lnSpc>
-              <a:spcBef>
-                <a:spcPts val="1417"/>
-              </a:spcBef>
-              <a:buNone/>
-            </a:pPr>
-            <a:endParaRPr b="0" lang="en-US" sz="2800" spc="-1" strike="noStrike">
-              <a:solidFill>
-                <a:srgbClr val="000000"/>
-              </a:solidFill>
-              <a:latin typeface="Amasis MT Pro Medium"/>
+            <a:endParaRPr b="0" lang="en-CA" sz="3200" spc="-1" strike="noStrike">
+              <a:latin typeface="Arial"/>
             </a:endParaRPr>
           </a:p>
         </p:txBody>
@@ -818,8 +710,8 @@
         </p:nvSpPr>
         <p:spPr>
           <a:xfrm>
-            <a:off x="838080" y="4098240"/>
-            <a:ext cx="3385800" cy="2075040"/>
+            <a:off x="609480" y="3682080"/>
+            <a:ext cx="3533040" cy="1896840"/>
           </a:xfrm>
           <a:prstGeom prst="rect">
             <a:avLst/>
@@ -834,20 +726,8 @@
             <a:normAutofit/>
           </a:bodyPr>
           <a:p>
-            <a:pPr>
-              <a:lnSpc>
-                <a:spcPct val="90000"/>
-              </a:lnSpc>
-              <a:spcBef>
-                <a:spcPts val="1417"/>
-              </a:spcBef>
-              <a:buNone/>
-            </a:pPr>
-            <a:endParaRPr b="0" lang="en-US" sz="2800" spc="-1" strike="noStrike">
-              <a:solidFill>
-                <a:srgbClr val="000000"/>
-              </a:solidFill>
-              <a:latin typeface="Amasis MT Pro Medium"/>
+            <a:endParaRPr b="0" lang="en-CA" sz="3200" spc="-1" strike="noStrike">
+              <a:latin typeface="Arial"/>
             </a:endParaRPr>
           </a:p>
         </p:txBody>
@@ -864,8 +744,8 @@
         </p:nvSpPr>
         <p:spPr>
           <a:xfrm>
-            <a:off x="4393440" y="4098240"/>
-            <a:ext cx="3385800" cy="2075040"/>
+            <a:off x="4319640" y="3682080"/>
+            <a:ext cx="3533040" cy="1896840"/>
           </a:xfrm>
           <a:prstGeom prst="rect">
             <a:avLst/>
@@ -880,20 +760,8 @@
             <a:normAutofit/>
           </a:bodyPr>
           <a:p>
-            <a:pPr>
-              <a:lnSpc>
-                <a:spcPct val="90000"/>
-              </a:lnSpc>
-              <a:spcBef>
-                <a:spcPts val="1417"/>
-              </a:spcBef>
-              <a:buNone/>
-            </a:pPr>
-            <a:endParaRPr b="0" lang="en-US" sz="2800" spc="-1" strike="noStrike">
-              <a:solidFill>
-                <a:srgbClr val="000000"/>
-              </a:solidFill>
-              <a:latin typeface="Amasis MT Pro Medium"/>
+            <a:endParaRPr b="0" lang="en-CA" sz="3200" spc="-1" strike="noStrike">
+              <a:latin typeface="Arial"/>
             </a:endParaRPr>
           </a:p>
         </p:txBody>
@@ -910,8 +778,8 @@
         </p:nvSpPr>
         <p:spPr>
           <a:xfrm>
-            <a:off x="7949160" y="4098240"/>
-            <a:ext cx="3385800" cy="2075040"/>
+            <a:off x="8029800" y="3682080"/>
+            <a:ext cx="3533040" cy="1896840"/>
           </a:xfrm>
           <a:prstGeom prst="rect">
             <a:avLst/>
@@ -926,20 +794,8 @@
             <a:normAutofit/>
           </a:bodyPr>
           <a:p>
-            <a:pPr>
-              <a:lnSpc>
-                <a:spcPct val="90000"/>
-              </a:lnSpc>
-              <a:spcBef>
-                <a:spcPts val="1417"/>
-              </a:spcBef>
-              <a:buNone/>
-            </a:pPr>
-            <a:endParaRPr b="0" lang="en-US" sz="2800" spc="-1" strike="noStrike">
-              <a:solidFill>
-                <a:srgbClr val="000000"/>
-              </a:solidFill>
-              <a:latin typeface="Amasis MT Pro Medium"/>
+            <a:endParaRPr b="0" lang="en-CA" sz="3200" spc="-1" strike="noStrike">
+              <a:latin typeface="Arial"/>
             </a:endParaRPr>
           </a:p>
         </p:txBody>
@@ -951,7 +807,7 @@
             <a:spLocks noGrp="1"/>
           </p:cNvSpPr>
           <p:nvPr>
-            <p:ph type="ftr" idx="2"/>
+            <p:ph type="ftr" idx="1"/>
           </p:nvPr>
         </p:nvSpPr>
         <p:spPr/>
@@ -971,14 +827,14 @@
             <a:spLocks noGrp="1"/>
           </p:cNvSpPr>
           <p:nvPr>
-            <p:ph type="sldNum" idx="3"/>
+            <p:ph type="sldNum" idx="2"/>
           </p:nvPr>
         </p:nvSpPr>
         <p:spPr/>
         <p:txBody>
           <a:bodyPr/>
           <a:p>
-            <a:fld id="{68849191-DC98-4933-AAC1-5E08B8447007}" type="slidenum">
+            <a:fld id="{6F4164AB-FC8E-4DDA-A50D-F01C12A145B3}" type="slidenum">
               <a:t>&lt;#&gt;</a:t>
             </a:fld>
           </a:p>
@@ -991,7 +847,7 @@
             <a:spLocks noGrp="1"/>
           </p:cNvSpPr>
           <p:nvPr>
-            <p:ph type="dt" idx="1"/>
+            <p:ph type="dt" idx="3"/>
           </p:nvPr>
         </p:nvSpPr>
         <p:spPr/>
@@ -1034,7 +890,7 @@
             <a:spLocks noGrp="1"/>
           </p:cNvSpPr>
           <p:nvPr>
-            <p:ph type="ftr" idx="5"/>
+            <p:ph type="ftr" idx="4"/>
           </p:nvPr>
         </p:nvSpPr>
         <p:spPr/>
@@ -1054,14 +910,14 @@
             <a:spLocks noGrp="1"/>
           </p:cNvSpPr>
           <p:nvPr>
-            <p:ph type="sldNum" idx="6"/>
+            <p:ph type="sldNum" idx="5"/>
           </p:nvPr>
         </p:nvSpPr>
         <p:spPr/>
         <p:txBody>
           <a:bodyPr/>
           <a:p>
-            <a:fld id="{5AB6D5E0-97EC-4641-8EE1-012DC0C54359}" type="slidenum">
+            <a:fld id="{CF1858EE-8982-40F3-A21D-E12773418B2F}" type="slidenum">
               <a:t>&lt;#&gt;</a:t>
             </a:fld>
           </a:p>
@@ -1074,7 +930,7 @@
             <a:spLocks noGrp="1"/>
           </p:cNvSpPr>
           <p:nvPr>
-            <p:ph type="dt" idx="4"/>
+            <p:ph type="dt" idx="6"/>
           </p:nvPr>
         </p:nvSpPr>
         <p:spPr/>
@@ -1122,8 +978,8 @@
         </p:nvSpPr>
         <p:spPr>
           <a:xfrm>
-            <a:off x="838080" y="365040"/>
-            <a:ext cx="10515240" cy="1325160"/>
+            <a:off x="609480" y="273600"/>
+            <a:ext cx="10972440" cy="1144800"/>
           </a:xfrm>
           <a:prstGeom prst="rect">
             <a:avLst/>
@@ -1138,11 +994,11 @@
             <a:noAutofit/>
           </a:bodyPr>
           <a:p>
-            <a:endParaRPr b="0" lang="en-US" sz="1800" spc="-1" strike="noStrike">
-              <a:solidFill>
-                <a:srgbClr val="000000"/>
-              </a:solidFill>
-              <a:latin typeface="Amasis MT Pro Medium"/>
+            <a:pPr algn="ctr">
+              <a:buNone/>
+            </a:pPr>
+            <a:endParaRPr b="0" lang="en-CA" sz="4400" spc="-1" strike="noStrike">
+              <a:latin typeface="Arial"/>
             </a:endParaRPr>
           </a:p>
         </p:txBody>
@@ -1159,8 +1015,8 @@
         </p:nvSpPr>
         <p:spPr>
           <a:xfrm>
-            <a:off x="838080" y="1825560"/>
-            <a:ext cx="10515240" cy="4350960"/>
+            <a:off x="609480" y="1604520"/>
+            <a:ext cx="10972440" cy="3977280"/>
           </a:xfrm>
           <a:prstGeom prst="rect">
             <a:avLst/>
@@ -1191,7 +1047,7 @@
             <a:spLocks noGrp="1"/>
           </p:cNvSpPr>
           <p:nvPr>
-            <p:ph type="ftr" idx="5"/>
+            <p:ph type="ftr" idx="4"/>
           </p:nvPr>
         </p:nvSpPr>
         <p:spPr/>
@@ -1211,14 +1067,14 @@
             <a:spLocks noGrp="1"/>
           </p:cNvSpPr>
           <p:nvPr>
-            <p:ph type="sldNum" idx="6"/>
+            <p:ph type="sldNum" idx="5"/>
           </p:nvPr>
         </p:nvSpPr>
         <p:spPr/>
         <p:txBody>
           <a:bodyPr/>
           <a:p>
-            <a:fld id="{FEA7C4A2-F56E-4718-8795-DA3EAD79C221}" type="slidenum">
+            <a:fld id="{A861811A-DEE7-45F7-BEF6-5FEFA428EC69}" type="slidenum">
               <a:t>&lt;#&gt;</a:t>
             </a:fld>
           </a:p>
@@ -1231,7 +1087,7 @@
             <a:spLocks noGrp="1"/>
           </p:cNvSpPr>
           <p:nvPr>
-            <p:ph type="dt" idx="4"/>
+            <p:ph type="dt" idx="6"/>
           </p:nvPr>
         </p:nvSpPr>
         <p:spPr/>
@@ -1279,8 +1135,8 @@
         </p:nvSpPr>
         <p:spPr>
           <a:xfrm>
-            <a:off x="838080" y="365040"/>
-            <a:ext cx="10515240" cy="1325160"/>
+            <a:off x="609480" y="273600"/>
+            <a:ext cx="10972440" cy="1144800"/>
           </a:xfrm>
           <a:prstGeom prst="rect">
             <a:avLst/>
@@ -1295,11 +1151,11 @@
             <a:noAutofit/>
           </a:bodyPr>
           <a:p>
-            <a:endParaRPr b="0" lang="en-US" sz="1800" spc="-1" strike="noStrike">
-              <a:solidFill>
-                <a:srgbClr val="000000"/>
-              </a:solidFill>
-              <a:latin typeface="Amasis MT Pro Medium"/>
+            <a:pPr algn="ctr">
+              <a:buNone/>
+            </a:pPr>
+            <a:endParaRPr b="0" lang="en-CA" sz="4400" spc="-1" strike="noStrike">
+              <a:latin typeface="Arial"/>
             </a:endParaRPr>
           </a:p>
         </p:txBody>
@@ -1316,8 +1172,8 @@
         </p:nvSpPr>
         <p:spPr>
           <a:xfrm>
-            <a:off x="838080" y="1825560"/>
-            <a:ext cx="10515240" cy="4350960"/>
+            <a:off x="609480" y="1604520"/>
+            <a:ext cx="10972440" cy="3977280"/>
           </a:xfrm>
           <a:prstGeom prst="rect">
             <a:avLst/>
@@ -1332,20 +1188,8 @@
             <a:normAutofit/>
           </a:bodyPr>
           <a:p>
-            <a:pPr>
-              <a:lnSpc>
-                <a:spcPct val="90000"/>
-              </a:lnSpc>
-              <a:spcBef>
-                <a:spcPts val="1417"/>
-              </a:spcBef>
-              <a:buNone/>
-            </a:pPr>
-            <a:endParaRPr b="0" lang="en-US" sz="2800" spc="-1" strike="noStrike">
-              <a:solidFill>
-                <a:srgbClr val="000000"/>
-              </a:solidFill>
-              <a:latin typeface="Amasis MT Pro Medium"/>
+            <a:endParaRPr b="0" lang="en-CA" sz="3200" spc="-1" strike="noStrike">
+              <a:latin typeface="Arial"/>
             </a:endParaRPr>
           </a:p>
         </p:txBody>
@@ -1357,7 +1201,7 @@
             <a:spLocks noGrp="1"/>
           </p:cNvSpPr>
           <p:nvPr>
-            <p:ph type="ftr" idx="5"/>
+            <p:ph type="ftr" idx="4"/>
           </p:nvPr>
         </p:nvSpPr>
         <p:spPr/>
@@ -1377,14 +1221,14 @@
             <a:spLocks noGrp="1"/>
           </p:cNvSpPr>
           <p:nvPr>
-            <p:ph type="sldNum" idx="6"/>
+            <p:ph type="sldNum" idx="5"/>
           </p:nvPr>
         </p:nvSpPr>
         <p:spPr/>
         <p:txBody>
           <a:bodyPr/>
           <a:p>
-            <a:fld id="{DC3940E0-5389-4700-966B-9FAB3AA866B7}" type="slidenum">
+            <a:fld id="{2958664D-89EF-4498-B8D6-9F32ABC6348F}" type="slidenum">
               <a:t>&lt;#&gt;</a:t>
             </a:fld>
           </a:p>
@@ -1397,7 +1241,7 @@
             <a:spLocks noGrp="1"/>
           </p:cNvSpPr>
           <p:nvPr>
-            <p:ph type="dt" idx="4"/>
+            <p:ph type="dt" idx="6"/>
           </p:nvPr>
         </p:nvSpPr>
         <p:spPr/>
@@ -1445,8 +1289,8 @@
         </p:nvSpPr>
         <p:spPr>
           <a:xfrm>
-            <a:off x="838080" y="365040"/>
-            <a:ext cx="10515240" cy="1325160"/>
+            <a:off x="609480" y="273600"/>
+            <a:ext cx="10972440" cy="1144800"/>
           </a:xfrm>
           <a:prstGeom prst="rect">
             <a:avLst/>
@@ -1461,11 +1305,11 @@
             <a:noAutofit/>
           </a:bodyPr>
           <a:p>
-            <a:endParaRPr b="0" lang="en-US" sz="1800" spc="-1" strike="noStrike">
-              <a:solidFill>
-                <a:srgbClr val="000000"/>
-              </a:solidFill>
-              <a:latin typeface="Amasis MT Pro Medium"/>
+            <a:pPr algn="ctr">
+              <a:buNone/>
+            </a:pPr>
+            <a:endParaRPr b="0" lang="en-CA" sz="4400" spc="-1" strike="noStrike">
+              <a:latin typeface="Arial"/>
             </a:endParaRPr>
           </a:p>
         </p:txBody>
@@ -1482,8 +1326,8 @@
         </p:nvSpPr>
         <p:spPr>
           <a:xfrm>
-            <a:off x="838080" y="1825560"/>
-            <a:ext cx="5131080" cy="4350960"/>
+            <a:off x="609480" y="1604520"/>
+            <a:ext cx="5354280" cy="3977280"/>
           </a:xfrm>
           <a:prstGeom prst="rect">
             <a:avLst/>
@@ -1498,20 +1342,8 @@
             <a:normAutofit/>
           </a:bodyPr>
           <a:p>
-            <a:pPr>
-              <a:lnSpc>
-                <a:spcPct val="90000"/>
-              </a:lnSpc>
-              <a:spcBef>
-                <a:spcPts val="1417"/>
-              </a:spcBef>
-              <a:buNone/>
-            </a:pPr>
-            <a:endParaRPr b="0" lang="en-US" sz="2800" spc="-1" strike="noStrike">
-              <a:solidFill>
-                <a:srgbClr val="000000"/>
-              </a:solidFill>
-              <a:latin typeface="Amasis MT Pro Medium"/>
+            <a:endParaRPr b="0" lang="en-CA" sz="3200" spc="-1" strike="noStrike">
+              <a:latin typeface="Arial"/>
             </a:endParaRPr>
           </a:p>
         </p:txBody>
@@ -1528,8 +1360,8 @@
         </p:nvSpPr>
         <p:spPr>
           <a:xfrm>
-            <a:off x="6226200" y="1825560"/>
-            <a:ext cx="5131080" cy="4350960"/>
+            <a:off x="6231960" y="1604520"/>
+            <a:ext cx="5354280" cy="3977280"/>
           </a:xfrm>
           <a:prstGeom prst="rect">
             <a:avLst/>
@@ -1544,20 +1376,8 @@
             <a:normAutofit/>
           </a:bodyPr>
           <a:p>
-            <a:pPr>
-              <a:lnSpc>
-                <a:spcPct val="90000"/>
-              </a:lnSpc>
-              <a:spcBef>
-                <a:spcPts val="1417"/>
-              </a:spcBef>
-              <a:buNone/>
-            </a:pPr>
-            <a:endParaRPr b="0" lang="en-US" sz="2800" spc="-1" strike="noStrike">
-              <a:solidFill>
-                <a:srgbClr val="000000"/>
-              </a:solidFill>
-              <a:latin typeface="Amasis MT Pro Medium"/>
+            <a:endParaRPr b="0" lang="en-CA" sz="3200" spc="-1" strike="noStrike">
+              <a:latin typeface="Arial"/>
             </a:endParaRPr>
           </a:p>
         </p:txBody>
@@ -1569,7 +1389,7 @@
             <a:spLocks noGrp="1"/>
           </p:cNvSpPr>
           <p:nvPr>
-            <p:ph type="ftr" idx="5"/>
+            <p:ph type="ftr" idx="4"/>
           </p:nvPr>
         </p:nvSpPr>
         <p:spPr/>
@@ -1589,14 +1409,14 @@
             <a:spLocks noGrp="1"/>
           </p:cNvSpPr>
           <p:nvPr>
-            <p:ph type="sldNum" idx="6"/>
+            <p:ph type="sldNum" idx="5"/>
           </p:nvPr>
         </p:nvSpPr>
         <p:spPr/>
         <p:txBody>
           <a:bodyPr/>
           <a:p>
-            <a:fld id="{4555F73C-3E3B-42CF-9C21-6AADAC870233}" type="slidenum">
+            <a:fld id="{5C8233BC-734B-4CD5-8A0D-B9F257005DE1}" type="slidenum">
               <a:t>&lt;#&gt;</a:t>
             </a:fld>
           </a:p>
@@ -1609,7 +1429,7 @@
             <a:spLocks noGrp="1"/>
           </p:cNvSpPr>
           <p:nvPr>
-            <p:ph type="dt" idx="4"/>
+            <p:ph type="dt" idx="6"/>
           </p:nvPr>
         </p:nvSpPr>
         <p:spPr/>
@@ -1657,8 +1477,8 @@
         </p:nvSpPr>
         <p:spPr>
           <a:xfrm>
-            <a:off x="838080" y="365040"/>
-            <a:ext cx="10515240" cy="1325160"/>
+            <a:off x="609480" y="273600"/>
+            <a:ext cx="10972440" cy="1144800"/>
           </a:xfrm>
           <a:prstGeom prst="rect">
             <a:avLst/>
@@ -1673,11 +1493,11 @@
             <a:noAutofit/>
           </a:bodyPr>
           <a:p>
-            <a:endParaRPr b="0" lang="en-US" sz="1800" spc="-1" strike="noStrike">
-              <a:solidFill>
-                <a:srgbClr val="000000"/>
-              </a:solidFill>
-              <a:latin typeface="Amasis MT Pro Medium"/>
+            <a:pPr algn="ctr">
+              <a:buNone/>
+            </a:pPr>
+            <a:endParaRPr b="0" lang="en-CA" sz="4400" spc="-1" strike="noStrike">
+              <a:latin typeface="Arial"/>
             </a:endParaRPr>
           </a:p>
         </p:txBody>
@@ -1689,7 +1509,7 @@
             <a:spLocks noGrp="1"/>
           </p:cNvSpPr>
           <p:nvPr>
-            <p:ph type="ftr" idx="5"/>
+            <p:ph type="ftr" idx="4"/>
           </p:nvPr>
         </p:nvSpPr>
         <p:spPr/>
@@ -1709,14 +1529,14 @@
             <a:spLocks noGrp="1"/>
           </p:cNvSpPr>
           <p:nvPr>
-            <p:ph type="sldNum" idx="6"/>
+            <p:ph type="sldNum" idx="5"/>
           </p:nvPr>
         </p:nvSpPr>
         <p:spPr/>
         <p:txBody>
           <a:bodyPr/>
           <a:p>
-            <a:fld id="{201A1B86-A776-44C2-B28B-846EAE90BED5}" type="slidenum">
+            <a:fld id="{742C49EE-7EEC-475A-B638-6F17BFC7FA50}" type="slidenum">
               <a:t>&lt;#&gt;</a:t>
             </a:fld>
           </a:p>
@@ -1729,7 +1549,7 @@
             <a:spLocks noGrp="1"/>
           </p:cNvSpPr>
           <p:nvPr>
-            <p:ph type="dt" idx="4"/>
+            <p:ph type="dt" idx="6"/>
           </p:nvPr>
         </p:nvSpPr>
         <p:spPr/>
@@ -1777,8 +1597,8 @@
         </p:nvSpPr>
         <p:spPr>
           <a:xfrm>
-            <a:off x="838080" y="365040"/>
-            <a:ext cx="10515240" cy="6144120"/>
+            <a:off x="609480" y="273600"/>
+            <a:ext cx="10972440" cy="5307840"/>
           </a:xfrm>
           <a:prstGeom prst="rect">
             <a:avLst/>
@@ -1809,7 +1629,7 @@
             <a:spLocks noGrp="1"/>
           </p:cNvSpPr>
           <p:nvPr>
-            <p:ph type="ftr" idx="5"/>
+            <p:ph type="ftr" idx="4"/>
           </p:nvPr>
         </p:nvSpPr>
         <p:spPr/>
@@ -1829,14 +1649,14 @@
             <a:spLocks noGrp="1"/>
           </p:cNvSpPr>
           <p:nvPr>
-            <p:ph type="sldNum" idx="6"/>
+            <p:ph type="sldNum" idx="5"/>
           </p:nvPr>
         </p:nvSpPr>
         <p:spPr/>
         <p:txBody>
           <a:bodyPr/>
           <a:p>
-            <a:fld id="{E9BCE17D-3C55-4B8A-A0E5-861D2BC6C35D}" type="slidenum">
+            <a:fld id="{E29D666B-919F-4DA7-BD72-92038ED92ECE}" type="slidenum">
               <a:t>&lt;#&gt;</a:t>
             </a:fld>
           </a:p>
@@ -1849,7 +1669,7 @@
             <a:spLocks noGrp="1"/>
           </p:cNvSpPr>
           <p:nvPr>
-            <p:ph type="dt" idx="4"/>
+            <p:ph type="dt" idx="6"/>
           </p:nvPr>
         </p:nvSpPr>
         <p:spPr/>
@@ -1897,8 +1717,8 @@
         </p:nvSpPr>
         <p:spPr>
           <a:xfrm>
-            <a:off x="838080" y="365040"/>
-            <a:ext cx="10515240" cy="1325160"/>
+            <a:off x="609480" y="273600"/>
+            <a:ext cx="10972440" cy="1144800"/>
           </a:xfrm>
           <a:prstGeom prst="rect">
             <a:avLst/>
@@ -1913,11 +1733,11 @@
             <a:noAutofit/>
           </a:bodyPr>
           <a:p>
-            <a:endParaRPr b="0" lang="en-US" sz="1800" spc="-1" strike="noStrike">
-              <a:solidFill>
-                <a:srgbClr val="000000"/>
-              </a:solidFill>
-              <a:latin typeface="Amasis MT Pro Medium"/>
+            <a:pPr algn="ctr">
+              <a:buNone/>
+            </a:pPr>
+            <a:endParaRPr b="0" lang="en-CA" sz="4400" spc="-1" strike="noStrike">
+              <a:latin typeface="Arial"/>
             </a:endParaRPr>
           </a:p>
         </p:txBody>
@@ -1934,8 +1754,8 @@
         </p:nvSpPr>
         <p:spPr>
           <a:xfrm>
-            <a:off x="838080" y="1825560"/>
-            <a:ext cx="5131080" cy="2075040"/>
+            <a:off x="609480" y="1604520"/>
+            <a:ext cx="5354280" cy="1896840"/>
           </a:xfrm>
           <a:prstGeom prst="rect">
             <a:avLst/>
@@ -1950,20 +1770,8 @@
             <a:normAutofit/>
           </a:bodyPr>
           <a:p>
-            <a:pPr>
-              <a:lnSpc>
-                <a:spcPct val="90000"/>
-              </a:lnSpc>
-              <a:spcBef>
-                <a:spcPts val="1417"/>
-              </a:spcBef>
-              <a:buNone/>
-            </a:pPr>
-            <a:endParaRPr b="0" lang="en-US" sz="2800" spc="-1" strike="noStrike">
-              <a:solidFill>
-                <a:srgbClr val="000000"/>
-              </a:solidFill>
-              <a:latin typeface="Amasis MT Pro Medium"/>
+            <a:endParaRPr b="0" lang="en-CA" sz="3200" spc="-1" strike="noStrike">
+              <a:latin typeface="Arial"/>
             </a:endParaRPr>
           </a:p>
         </p:txBody>
@@ -1980,8 +1788,8 @@
         </p:nvSpPr>
         <p:spPr>
           <a:xfrm>
-            <a:off x="6226200" y="1825560"/>
-            <a:ext cx="5131080" cy="4350960"/>
+            <a:off x="6231960" y="1604520"/>
+            <a:ext cx="5354280" cy="3977280"/>
           </a:xfrm>
           <a:prstGeom prst="rect">
             <a:avLst/>
@@ -1996,20 +1804,8 @@
             <a:normAutofit/>
           </a:bodyPr>
           <a:p>
-            <a:pPr>
-              <a:lnSpc>
-                <a:spcPct val="90000"/>
-              </a:lnSpc>
-              <a:spcBef>
-                <a:spcPts val="1417"/>
-              </a:spcBef>
-              <a:buNone/>
-            </a:pPr>
-            <a:endParaRPr b="0" lang="en-US" sz="2800" spc="-1" strike="noStrike">
-              <a:solidFill>
-                <a:srgbClr val="000000"/>
-              </a:solidFill>
-              <a:latin typeface="Amasis MT Pro Medium"/>
+            <a:endParaRPr b="0" lang="en-CA" sz="3200" spc="-1" strike="noStrike">
+              <a:latin typeface="Arial"/>
             </a:endParaRPr>
           </a:p>
         </p:txBody>
@@ -2026,8 +1822,8 @@
         </p:nvSpPr>
         <p:spPr>
           <a:xfrm>
-            <a:off x="838080" y="4098240"/>
-            <a:ext cx="5131080" cy="2075040"/>
+            <a:off x="609480" y="3682080"/>
+            <a:ext cx="5354280" cy="1896840"/>
           </a:xfrm>
           <a:prstGeom prst="rect">
             <a:avLst/>
@@ -2042,20 +1838,8 @@
             <a:normAutofit/>
           </a:bodyPr>
           <a:p>
-            <a:pPr>
-              <a:lnSpc>
-                <a:spcPct val="90000"/>
-              </a:lnSpc>
-              <a:spcBef>
-                <a:spcPts val="1417"/>
-              </a:spcBef>
-              <a:buNone/>
-            </a:pPr>
-            <a:endParaRPr b="0" lang="en-US" sz="2800" spc="-1" strike="noStrike">
-              <a:solidFill>
-                <a:srgbClr val="000000"/>
-              </a:solidFill>
-              <a:latin typeface="Amasis MT Pro Medium"/>
+            <a:endParaRPr b="0" lang="en-CA" sz="3200" spc="-1" strike="noStrike">
+              <a:latin typeface="Arial"/>
             </a:endParaRPr>
           </a:p>
         </p:txBody>
@@ -2067,7 +1851,7 @@
             <a:spLocks noGrp="1"/>
           </p:cNvSpPr>
           <p:nvPr>
-            <p:ph type="ftr" idx="5"/>
+            <p:ph type="ftr" idx="4"/>
           </p:nvPr>
         </p:nvSpPr>
         <p:spPr/>
@@ -2087,14 +1871,14 @@
             <a:spLocks noGrp="1"/>
           </p:cNvSpPr>
           <p:nvPr>
-            <p:ph type="sldNum" idx="6"/>
+            <p:ph type="sldNum" idx="5"/>
           </p:nvPr>
         </p:nvSpPr>
         <p:spPr/>
         <p:txBody>
           <a:bodyPr/>
           <a:p>
-            <a:fld id="{B763F27B-2838-4D40-BACD-500AA5E92850}" type="slidenum">
+            <a:fld id="{F3833F1A-631B-424C-A388-106E4A60719D}" type="slidenum">
               <a:t>&lt;#&gt;</a:t>
             </a:fld>
           </a:p>
@@ -2107,7 +1891,7 @@
             <a:spLocks noGrp="1"/>
           </p:cNvSpPr>
           <p:nvPr>
-            <p:ph type="dt" idx="4"/>
+            <p:ph type="dt" idx="6"/>
           </p:nvPr>
         </p:nvSpPr>
         <p:spPr/>
@@ -2155,8 +1939,8 @@
         </p:nvSpPr>
         <p:spPr>
           <a:xfrm>
-            <a:off x="838080" y="365040"/>
-            <a:ext cx="10515240" cy="1325160"/>
+            <a:off x="609480" y="273600"/>
+            <a:ext cx="10972440" cy="1144800"/>
           </a:xfrm>
           <a:prstGeom prst="rect">
             <a:avLst/>
@@ -2171,11 +1955,11 @@
             <a:noAutofit/>
           </a:bodyPr>
           <a:p>
-            <a:endParaRPr b="0" lang="en-US" sz="1800" spc="-1" strike="noStrike">
-              <a:solidFill>
-                <a:srgbClr val="000000"/>
-              </a:solidFill>
-              <a:latin typeface="Amasis MT Pro Medium"/>
+            <a:pPr algn="ctr">
+              <a:buNone/>
+            </a:pPr>
+            <a:endParaRPr b="0" lang="en-CA" sz="4400" spc="-1" strike="noStrike">
+              <a:latin typeface="Arial"/>
             </a:endParaRPr>
           </a:p>
         </p:txBody>
@@ -2192,8 +1976,8 @@
         </p:nvSpPr>
         <p:spPr>
           <a:xfrm>
-            <a:off x="838080" y="1825560"/>
-            <a:ext cx="10515240" cy="4350960"/>
+            <a:off x="609480" y="1604520"/>
+            <a:ext cx="10972440" cy="3977280"/>
           </a:xfrm>
           <a:prstGeom prst="rect">
             <a:avLst/>
@@ -2224,7 +2008,7 @@
             <a:spLocks noGrp="1"/>
           </p:cNvSpPr>
           <p:nvPr>
-            <p:ph type="ftr" idx="2"/>
+            <p:ph type="ftr" idx="1"/>
           </p:nvPr>
         </p:nvSpPr>
         <p:spPr/>
@@ -2244,14 +2028,14 @@
             <a:spLocks noGrp="1"/>
           </p:cNvSpPr>
           <p:nvPr>
-            <p:ph type="sldNum" idx="3"/>
+            <p:ph type="sldNum" idx="2"/>
           </p:nvPr>
         </p:nvSpPr>
         <p:spPr/>
         <p:txBody>
           <a:bodyPr/>
           <a:p>
-            <a:fld id="{D89C15F3-901B-4F40-AA31-C9D1C477439E}" type="slidenum">
+            <a:fld id="{657247D0-CDC6-4AEF-A317-F151BDF18DEE}" type="slidenum">
               <a:t>&lt;#&gt;</a:t>
             </a:fld>
           </a:p>
@@ -2264,7 +2048,7 @@
             <a:spLocks noGrp="1"/>
           </p:cNvSpPr>
           <p:nvPr>
-            <p:ph type="dt" idx="1"/>
+            <p:ph type="dt" idx="3"/>
           </p:nvPr>
         </p:nvSpPr>
         <p:spPr/>
@@ -2312,8 +2096,8 @@
         </p:nvSpPr>
         <p:spPr>
           <a:xfrm>
-            <a:off x="838080" y="365040"/>
-            <a:ext cx="10515240" cy="1325160"/>
+            <a:off x="609480" y="273600"/>
+            <a:ext cx="10972440" cy="1144800"/>
           </a:xfrm>
           <a:prstGeom prst="rect">
             <a:avLst/>
@@ -2328,11 +2112,11 @@
             <a:noAutofit/>
           </a:bodyPr>
           <a:p>
-            <a:endParaRPr b="0" lang="en-US" sz="1800" spc="-1" strike="noStrike">
-              <a:solidFill>
-                <a:srgbClr val="000000"/>
-              </a:solidFill>
-              <a:latin typeface="Amasis MT Pro Medium"/>
+            <a:pPr algn="ctr">
+              <a:buNone/>
+            </a:pPr>
+            <a:endParaRPr b="0" lang="en-CA" sz="4400" spc="-1" strike="noStrike">
+              <a:latin typeface="Arial"/>
             </a:endParaRPr>
           </a:p>
         </p:txBody>
@@ -2349,8 +2133,8 @@
         </p:nvSpPr>
         <p:spPr>
           <a:xfrm>
-            <a:off x="838080" y="1825560"/>
-            <a:ext cx="5131080" cy="4350960"/>
+            <a:off x="609480" y="1604520"/>
+            <a:ext cx="5354280" cy="3977280"/>
           </a:xfrm>
           <a:prstGeom prst="rect">
             <a:avLst/>
@@ -2365,20 +2149,8 @@
             <a:normAutofit/>
           </a:bodyPr>
           <a:p>
-            <a:pPr>
-              <a:lnSpc>
-                <a:spcPct val="90000"/>
-              </a:lnSpc>
-              <a:spcBef>
-                <a:spcPts val="1417"/>
-              </a:spcBef>
-              <a:buNone/>
-            </a:pPr>
-            <a:endParaRPr b="0" lang="en-US" sz="2800" spc="-1" strike="noStrike">
-              <a:solidFill>
-                <a:srgbClr val="000000"/>
-              </a:solidFill>
-              <a:latin typeface="Amasis MT Pro Medium"/>
+            <a:endParaRPr b="0" lang="en-CA" sz="3200" spc="-1" strike="noStrike">
+              <a:latin typeface="Arial"/>
             </a:endParaRPr>
           </a:p>
         </p:txBody>
@@ -2395,8 +2167,8 @@
         </p:nvSpPr>
         <p:spPr>
           <a:xfrm>
-            <a:off x="6226200" y="1825560"/>
-            <a:ext cx="5131080" cy="2075040"/>
+            <a:off x="6231960" y="1604520"/>
+            <a:ext cx="5354280" cy="1896840"/>
           </a:xfrm>
           <a:prstGeom prst="rect">
             <a:avLst/>
@@ -2411,20 +2183,8 @@
             <a:normAutofit/>
           </a:bodyPr>
           <a:p>
-            <a:pPr>
-              <a:lnSpc>
-                <a:spcPct val="90000"/>
-              </a:lnSpc>
-              <a:spcBef>
-                <a:spcPts val="1417"/>
-              </a:spcBef>
-              <a:buNone/>
-            </a:pPr>
-            <a:endParaRPr b="0" lang="en-US" sz="2800" spc="-1" strike="noStrike">
-              <a:solidFill>
-                <a:srgbClr val="000000"/>
-              </a:solidFill>
-              <a:latin typeface="Amasis MT Pro Medium"/>
+            <a:endParaRPr b="0" lang="en-CA" sz="3200" spc="-1" strike="noStrike">
+              <a:latin typeface="Arial"/>
             </a:endParaRPr>
           </a:p>
         </p:txBody>
@@ -2441,8 +2201,8 @@
         </p:nvSpPr>
         <p:spPr>
           <a:xfrm>
-            <a:off x="6226200" y="4098240"/>
-            <a:ext cx="5131080" cy="2075040"/>
+            <a:off x="6231960" y="3682080"/>
+            <a:ext cx="5354280" cy="1896840"/>
           </a:xfrm>
           <a:prstGeom prst="rect">
             <a:avLst/>
@@ -2457,20 +2217,8 @@
             <a:normAutofit/>
           </a:bodyPr>
           <a:p>
-            <a:pPr>
-              <a:lnSpc>
-                <a:spcPct val="90000"/>
-              </a:lnSpc>
-              <a:spcBef>
-                <a:spcPts val="1417"/>
-              </a:spcBef>
-              <a:buNone/>
-            </a:pPr>
-            <a:endParaRPr b="0" lang="en-US" sz="2800" spc="-1" strike="noStrike">
-              <a:solidFill>
-                <a:srgbClr val="000000"/>
-              </a:solidFill>
-              <a:latin typeface="Amasis MT Pro Medium"/>
+            <a:endParaRPr b="0" lang="en-CA" sz="3200" spc="-1" strike="noStrike">
+              <a:latin typeface="Arial"/>
             </a:endParaRPr>
           </a:p>
         </p:txBody>
@@ -2482,7 +2230,7 @@
             <a:spLocks noGrp="1"/>
           </p:cNvSpPr>
           <p:nvPr>
-            <p:ph type="ftr" idx="5"/>
+            <p:ph type="ftr" idx="4"/>
           </p:nvPr>
         </p:nvSpPr>
         <p:spPr/>
@@ -2502,14 +2250,14 @@
             <a:spLocks noGrp="1"/>
           </p:cNvSpPr>
           <p:nvPr>
-            <p:ph type="sldNum" idx="6"/>
+            <p:ph type="sldNum" idx="5"/>
           </p:nvPr>
         </p:nvSpPr>
         <p:spPr/>
         <p:txBody>
           <a:bodyPr/>
           <a:p>
-            <a:fld id="{04264DCE-B262-4C8D-9A04-0E107BAB8977}" type="slidenum">
+            <a:fld id="{FDABA6E8-1AC0-4F9E-A377-899579346CC4}" type="slidenum">
               <a:t>&lt;#&gt;</a:t>
             </a:fld>
           </a:p>
@@ -2522,7 +2270,7 @@
             <a:spLocks noGrp="1"/>
           </p:cNvSpPr>
           <p:nvPr>
-            <p:ph type="dt" idx="4"/>
+            <p:ph type="dt" idx="6"/>
           </p:nvPr>
         </p:nvSpPr>
         <p:spPr/>
@@ -2570,8 +2318,8 @@
         </p:nvSpPr>
         <p:spPr>
           <a:xfrm>
-            <a:off x="838080" y="365040"/>
-            <a:ext cx="10515240" cy="1325160"/>
+            <a:off x="609480" y="273600"/>
+            <a:ext cx="10972440" cy="1144800"/>
           </a:xfrm>
           <a:prstGeom prst="rect">
             <a:avLst/>
@@ -2586,11 +2334,11 @@
             <a:noAutofit/>
           </a:bodyPr>
           <a:p>
-            <a:endParaRPr b="0" lang="en-US" sz="1800" spc="-1" strike="noStrike">
-              <a:solidFill>
-                <a:srgbClr val="000000"/>
-              </a:solidFill>
-              <a:latin typeface="Amasis MT Pro Medium"/>
+            <a:pPr algn="ctr">
+              <a:buNone/>
+            </a:pPr>
+            <a:endParaRPr b="0" lang="en-CA" sz="4400" spc="-1" strike="noStrike">
+              <a:latin typeface="Arial"/>
             </a:endParaRPr>
           </a:p>
         </p:txBody>
@@ -2607,8 +2355,8 @@
         </p:nvSpPr>
         <p:spPr>
           <a:xfrm>
-            <a:off x="838080" y="1825560"/>
-            <a:ext cx="5131080" cy="2075040"/>
+            <a:off x="609480" y="1604520"/>
+            <a:ext cx="5354280" cy="1896840"/>
           </a:xfrm>
           <a:prstGeom prst="rect">
             <a:avLst/>
@@ -2623,20 +2371,8 @@
             <a:normAutofit/>
           </a:bodyPr>
           <a:p>
-            <a:pPr>
-              <a:lnSpc>
-                <a:spcPct val="90000"/>
-              </a:lnSpc>
-              <a:spcBef>
-                <a:spcPts val="1417"/>
-              </a:spcBef>
-              <a:buNone/>
-            </a:pPr>
-            <a:endParaRPr b="0" lang="en-US" sz="2800" spc="-1" strike="noStrike">
-              <a:solidFill>
-                <a:srgbClr val="000000"/>
-              </a:solidFill>
-              <a:latin typeface="Amasis MT Pro Medium"/>
+            <a:endParaRPr b="0" lang="en-CA" sz="3200" spc="-1" strike="noStrike">
+              <a:latin typeface="Arial"/>
             </a:endParaRPr>
           </a:p>
         </p:txBody>
@@ -2653,8 +2389,8 @@
         </p:nvSpPr>
         <p:spPr>
           <a:xfrm>
-            <a:off x="6226200" y="1825560"/>
-            <a:ext cx="5131080" cy="2075040"/>
+            <a:off x="6231960" y="1604520"/>
+            <a:ext cx="5354280" cy="1896840"/>
           </a:xfrm>
           <a:prstGeom prst="rect">
             <a:avLst/>
@@ -2669,20 +2405,8 @@
             <a:normAutofit/>
           </a:bodyPr>
           <a:p>
-            <a:pPr>
-              <a:lnSpc>
-                <a:spcPct val="90000"/>
-              </a:lnSpc>
-              <a:spcBef>
-                <a:spcPts val="1417"/>
-              </a:spcBef>
-              <a:buNone/>
-            </a:pPr>
-            <a:endParaRPr b="0" lang="en-US" sz="2800" spc="-1" strike="noStrike">
-              <a:solidFill>
-                <a:srgbClr val="000000"/>
-              </a:solidFill>
-              <a:latin typeface="Amasis MT Pro Medium"/>
+            <a:endParaRPr b="0" lang="en-CA" sz="3200" spc="-1" strike="noStrike">
+              <a:latin typeface="Arial"/>
             </a:endParaRPr>
           </a:p>
         </p:txBody>
@@ -2699,8 +2423,8 @@
         </p:nvSpPr>
         <p:spPr>
           <a:xfrm>
-            <a:off x="838080" y="4098240"/>
-            <a:ext cx="10515240" cy="2075040"/>
+            <a:off x="609480" y="3682080"/>
+            <a:ext cx="10972440" cy="1896840"/>
           </a:xfrm>
           <a:prstGeom prst="rect">
             <a:avLst/>
@@ -2715,20 +2439,8 @@
             <a:normAutofit/>
           </a:bodyPr>
           <a:p>
-            <a:pPr>
-              <a:lnSpc>
-                <a:spcPct val="90000"/>
-              </a:lnSpc>
-              <a:spcBef>
-                <a:spcPts val="1417"/>
-              </a:spcBef>
-              <a:buNone/>
-            </a:pPr>
-            <a:endParaRPr b="0" lang="en-US" sz="2800" spc="-1" strike="noStrike">
-              <a:solidFill>
-                <a:srgbClr val="000000"/>
-              </a:solidFill>
-              <a:latin typeface="Amasis MT Pro Medium"/>
+            <a:endParaRPr b="0" lang="en-CA" sz="3200" spc="-1" strike="noStrike">
+              <a:latin typeface="Arial"/>
             </a:endParaRPr>
           </a:p>
         </p:txBody>
@@ -2740,7 +2452,7 @@
             <a:spLocks noGrp="1"/>
           </p:cNvSpPr>
           <p:nvPr>
-            <p:ph type="ftr" idx="5"/>
+            <p:ph type="ftr" idx="4"/>
           </p:nvPr>
         </p:nvSpPr>
         <p:spPr/>
@@ -2760,14 +2472,14 @@
             <a:spLocks noGrp="1"/>
           </p:cNvSpPr>
           <p:nvPr>
-            <p:ph type="sldNum" idx="6"/>
+            <p:ph type="sldNum" idx="5"/>
           </p:nvPr>
         </p:nvSpPr>
         <p:spPr/>
         <p:txBody>
           <a:bodyPr/>
           <a:p>
-            <a:fld id="{DDFBEAD9-62E9-4C8D-ACA2-865AB6D2C319}" type="slidenum">
+            <a:fld id="{EF9D8D97-3E51-47F9-81C9-6C9423F361D8}" type="slidenum">
               <a:t>&lt;#&gt;</a:t>
             </a:fld>
           </a:p>
@@ -2780,7 +2492,7 @@
             <a:spLocks noGrp="1"/>
           </p:cNvSpPr>
           <p:nvPr>
-            <p:ph type="dt" idx="4"/>
+            <p:ph type="dt" idx="6"/>
           </p:nvPr>
         </p:nvSpPr>
         <p:spPr/>
@@ -2828,8 +2540,8 @@
         </p:nvSpPr>
         <p:spPr>
           <a:xfrm>
-            <a:off x="838080" y="365040"/>
-            <a:ext cx="10515240" cy="1325160"/>
+            <a:off x="609480" y="273600"/>
+            <a:ext cx="10972440" cy="1144800"/>
           </a:xfrm>
           <a:prstGeom prst="rect">
             <a:avLst/>
@@ -2844,11 +2556,11 @@
             <a:noAutofit/>
           </a:bodyPr>
           <a:p>
-            <a:endParaRPr b="0" lang="en-US" sz="1800" spc="-1" strike="noStrike">
-              <a:solidFill>
-                <a:srgbClr val="000000"/>
-              </a:solidFill>
-              <a:latin typeface="Amasis MT Pro Medium"/>
+            <a:pPr algn="ctr">
+              <a:buNone/>
+            </a:pPr>
+            <a:endParaRPr b="0" lang="en-CA" sz="4400" spc="-1" strike="noStrike">
+              <a:latin typeface="Arial"/>
             </a:endParaRPr>
           </a:p>
         </p:txBody>
@@ -2865,8 +2577,8 @@
         </p:nvSpPr>
         <p:spPr>
           <a:xfrm>
-            <a:off x="838080" y="1825560"/>
-            <a:ext cx="10515240" cy="2075040"/>
+            <a:off x="609480" y="1604520"/>
+            <a:ext cx="10972440" cy="1896840"/>
           </a:xfrm>
           <a:prstGeom prst="rect">
             <a:avLst/>
@@ -2881,20 +2593,8 @@
             <a:normAutofit/>
           </a:bodyPr>
           <a:p>
-            <a:pPr>
-              <a:lnSpc>
-                <a:spcPct val="90000"/>
-              </a:lnSpc>
-              <a:spcBef>
-                <a:spcPts val="1417"/>
-              </a:spcBef>
-              <a:buNone/>
-            </a:pPr>
-            <a:endParaRPr b="0" lang="en-US" sz="2800" spc="-1" strike="noStrike">
-              <a:solidFill>
-                <a:srgbClr val="000000"/>
-              </a:solidFill>
-              <a:latin typeface="Amasis MT Pro Medium"/>
+            <a:endParaRPr b="0" lang="en-CA" sz="3200" spc="-1" strike="noStrike">
+              <a:latin typeface="Arial"/>
             </a:endParaRPr>
           </a:p>
         </p:txBody>
@@ -2911,8 +2611,8 @@
         </p:nvSpPr>
         <p:spPr>
           <a:xfrm>
-            <a:off x="838080" y="4098240"/>
-            <a:ext cx="10515240" cy="2075040"/>
+            <a:off x="609480" y="3682080"/>
+            <a:ext cx="10972440" cy="1896840"/>
           </a:xfrm>
           <a:prstGeom prst="rect">
             <a:avLst/>
@@ -2927,20 +2627,8 @@
             <a:normAutofit/>
           </a:bodyPr>
           <a:p>
-            <a:pPr>
-              <a:lnSpc>
-                <a:spcPct val="90000"/>
-              </a:lnSpc>
-              <a:spcBef>
-                <a:spcPts val="1417"/>
-              </a:spcBef>
-              <a:buNone/>
-            </a:pPr>
-            <a:endParaRPr b="0" lang="en-US" sz="2800" spc="-1" strike="noStrike">
-              <a:solidFill>
-                <a:srgbClr val="000000"/>
-              </a:solidFill>
-              <a:latin typeface="Amasis MT Pro Medium"/>
+            <a:endParaRPr b="0" lang="en-CA" sz="3200" spc="-1" strike="noStrike">
+              <a:latin typeface="Arial"/>
             </a:endParaRPr>
           </a:p>
         </p:txBody>
@@ -2952,7 +2640,7 @@
             <a:spLocks noGrp="1"/>
           </p:cNvSpPr>
           <p:nvPr>
-            <p:ph type="ftr" idx="5"/>
+            <p:ph type="ftr" idx="4"/>
           </p:nvPr>
         </p:nvSpPr>
         <p:spPr/>
@@ -2972,14 +2660,14 @@
             <a:spLocks noGrp="1"/>
           </p:cNvSpPr>
           <p:nvPr>
-            <p:ph type="sldNum" idx="6"/>
+            <p:ph type="sldNum" idx="5"/>
           </p:nvPr>
         </p:nvSpPr>
         <p:spPr/>
         <p:txBody>
           <a:bodyPr/>
           <a:p>
-            <a:fld id="{2C708470-12FB-4A59-B2E5-F4DDE78EBF62}" type="slidenum">
+            <a:fld id="{58427730-8DEA-43DC-B5A7-7C5B60127FD3}" type="slidenum">
               <a:t>&lt;#&gt;</a:t>
             </a:fld>
           </a:p>
@@ -2992,7 +2680,7 @@
             <a:spLocks noGrp="1"/>
           </p:cNvSpPr>
           <p:nvPr>
-            <p:ph type="dt" idx="4"/>
+            <p:ph type="dt" idx="6"/>
           </p:nvPr>
         </p:nvSpPr>
         <p:spPr/>
@@ -3040,8 +2728,8 @@
         </p:nvSpPr>
         <p:spPr>
           <a:xfrm>
-            <a:off x="838080" y="365040"/>
-            <a:ext cx="10515240" cy="1325160"/>
+            <a:off x="609480" y="273600"/>
+            <a:ext cx="10972440" cy="1144800"/>
           </a:xfrm>
           <a:prstGeom prst="rect">
             <a:avLst/>
@@ -3056,11 +2744,11 @@
             <a:noAutofit/>
           </a:bodyPr>
           <a:p>
-            <a:endParaRPr b="0" lang="en-US" sz="1800" spc="-1" strike="noStrike">
-              <a:solidFill>
-                <a:srgbClr val="000000"/>
-              </a:solidFill>
-              <a:latin typeface="Amasis MT Pro Medium"/>
+            <a:pPr algn="ctr">
+              <a:buNone/>
+            </a:pPr>
+            <a:endParaRPr b="0" lang="en-CA" sz="4400" spc="-1" strike="noStrike">
+              <a:latin typeface="Arial"/>
             </a:endParaRPr>
           </a:p>
         </p:txBody>
@@ -3077,8 +2765,8 @@
         </p:nvSpPr>
         <p:spPr>
           <a:xfrm>
-            <a:off x="838080" y="1825560"/>
-            <a:ext cx="5131080" cy="2075040"/>
+            <a:off x="609480" y="1604520"/>
+            <a:ext cx="5354280" cy="1896840"/>
           </a:xfrm>
           <a:prstGeom prst="rect">
             <a:avLst/>
@@ -3093,20 +2781,8 @@
             <a:normAutofit/>
           </a:bodyPr>
           <a:p>
-            <a:pPr>
-              <a:lnSpc>
-                <a:spcPct val="90000"/>
-              </a:lnSpc>
-              <a:spcBef>
-                <a:spcPts val="1417"/>
-              </a:spcBef>
-              <a:buNone/>
-            </a:pPr>
-            <a:endParaRPr b="0" lang="en-US" sz="2800" spc="-1" strike="noStrike">
-              <a:solidFill>
-                <a:srgbClr val="000000"/>
-              </a:solidFill>
-              <a:latin typeface="Amasis MT Pro Medium"/>
+            <a:endParaRPr b="0" lang="en-CA" sz="3200" spc="-1" strike="noStrike">
+              <a:latin typeface="Arial"/>
             </a:endParaRPr>
           </a:p>
         </p:txBody>
@@ -3123,8 +2799,8 @@
         </p:nvSpPr>
         <p:spPr>
           <a:xfrm>
-            <a:off x="6226200" y="1825560"/>
-            <a:ext cx="5131080" cy="2075040"/>
+            <a:off x="6231960" y="1604520"/>
+            <a:ext cx="5354280" cy="1896840"/>
           </a:xfrm>
           <a:prstGeom prst="rect">
             <a:avLst/>
@@ -3139,20 +2815,8 @@
             <a:normAutofit/>
           </a:bodyPr>
           <a:p>
-            <a:pPr>
-              <a:lnSpc>
-                <a:spcPct val="90000"/>
-              </a:lnSpc>
-              <a:spcBef>
-                <a:spcPts val="1417"/>
-              </a:spcBef>
-              <a:buNone/>
-            </a:pPr>
-            <a:endParaRPr b="0" lang="en-US" sz="2800" spc="-1" strike="noStrike">
-              <a:solidFill>
-                <a:srgbClr val="000000"/>
-              </a:solidFill>
-              <a:latin typeface="Amasis MT Pro Medium"/>
+            <a:endParaRPr b="0" lang="en-CA" sz="3200" spc="-1" strike="noStrike">
+              <a:latin typeface="Arial"/>
             </a:endParaRPr>
           </a:p>
         </p:txBody>
@@ -3169,8 +2833,8 @@
         </p:nvSpPr>
         <p:spPr>
           <a:xfrm>
-            <a:off x="838080" y="4098240"/>
-            <a:ext cx="5131080" cy="2075040"/>
+            <a:off x="609480" y="3682080"/>
+            <a:ext cx="5354280" cy="1896840"/>
           </a:xfrm>
           <a:prstGeom prst="rect">
             <a:avLst/>
@@ -3185,20 +2849,8 @@
             <a:normAutofit/>
           </a:bodyPr>
           <a:p>
-            <a:pPr>
-              <a:lnSpc>
-                <a:spcPct val="90000"/>
-              </a:lnSpc>
-              <a:spcBef>
-                <a:spcPts val="1417"/>
-              </a:spcBef>
-              <a:buNone/>
-            </a:pPr>
-            <a:endParaRPr b="0" lang="en-US" sz="2800" spc="-1" strike="noStrike">
-              <a:solidFill>
-                <a:srgbClr val="000000"/>
-              </a:solidFill>
-              <a:latin typeface="Amasis MT Pro Medium"/>
+            <a:endParaRPr b="0" lang="en-CA" sz="3200" spc="-1" strike="noStrike">
+              <a:latin typeface="Arial"/>
             </a:endParaRPr>
           </a:p>
         </p:txBody>
@@ -3215,8 +2867,8 @@
         </p:nvSpPr>
         <p:spPr>
           <a:xfrm>
-            <a:off x="6226200" y="4098240"/>
-            <a:ext cx="5131080" cy="2075040"/>
+            <a:off x="6231960" y="3682080"/>
+            <a:ext cx="5354280" cy="1896840"/>
           </a:xfrm>
           <a:prstGeom prst="rect">
             <a:avLst/>
@@ -3231,20 +2883,8 @@
             <a:normAutofit/>
           </a:bodyPr>
           <a:p>
-            <a:pPr>
-              <a:lnSpc>
-                <a:spcPct val="90000"/>
-              </a:lnSpc>
-              <a:spcBef>
-                <a:spcPts val="1417"/>
-              </a:spcBef>
-              <a:buNone/>
-            </a:pPr>
-            <a:endParaRPr b="0" lang="en-US" sz="2800" spc="-1" strike="noStrike">
-              <a:solidFill>
-                <a:srgbClr val="000000"/>
-              </a:solidFill>
-              <a:latin typeface="Amasis MT Pro Medium"/>
+            <a:endParaRPr b="0" lang="en-CA" sz="3200" spc="-1" strike="noStrike">
+              <a:latin typeface="Arial"/>
             </a:endParaRPr>
           </a:p>
         </p:txBody>
@@ -3256,7 +2896,7 @@
             <a:spLocks noGrp="1"/>
           </p:cNvSpPr>
           <p:nvPr>
-            <p:ph type="ftr" idx="5"/>
+            <p:ph type="ftr" idx="4"/>
           </p:nvPr>
         </p:nvSpPr>
         <p:spPr/>
@@ -3276,14 +2916,14 @@
             <a:spLocks noGrp="1"/>
           </p:cNvSpPr>
           <p:nvPr>
-            <p:ph type="sldNum" idx="6"/>
+            <p:ph type="sldNum" idx="5"/>
           </p:nvPr>
         </p:nvSpPr>
         <p:spPr/>
         <p:txBody>
           <a:bodyPr/>
           <a:p>
-            <a:fld id="{D903205F-253C-4C96-97C9-4B787CE44EA0}" type="slidenum">
+            <a:fld id="{F2E39482-E60D-4E08-97B6-04F0AF74AAD9}" type="slidenum">
               <a:t>&lt;#&gt;</a:t>
             </a:fld>
           </a:p>
@@ -3296,7 +2936,7 @@
             <a:spLocks noGrp="1"/>
           </p:cNvSpPr>
           <p:nvPr>
-            <p:ph type="dt" idx="4"/>
+            <p:ph type="dt" idx="6"/>
           </p:nvPr>
         </p:nvSpPr>
         <p:spPr/>
@@ -3344,8 +2984,8 @@
         </p:nvSpPr>
         <p:spPr>
           <a:xfrm>
-            <a:off x="838080" y="365040"/>
-            <a:ext cx="10515240" cy="1325160"/>
+            <a:off x="609480" y="273600"/>
+            <a:ext cx="10972440" cy="1144800"/>
           </a:xfrm>
           <a:prstGeom prst="rect">
             <a:avLst/>
@@ -3360,11 +3000,11 @@
             <a:noAutofit/>
           </a:bodyPr>
           <a:p>
-            <a:endParaRPr b="0" lang="en-US" sz="1800" spc="-1" strike="noStrike">
-              <a:solidFill>
-                <a:srgbClr val="000000"/>
-              </a:solidFill>
-              <a:latin typeface="Amasis MT Pro Medium"/>
+            <a:pPr algn="ctr">
+              <a:buNone/>
+            </a:pPr>
+            <a:endParaRPr b="0" lang="en-CA" sz="4400" spc="-1" strike="noStrike">
+              <a:latin typeface="Arial"/>
             </a:endParaRPr>
           </a:p>
         </p:txBody>
@@ -3381,8 +3021,8 @@
         </p:nvSpPr>
         <p:spPr>
           <a:xfrm>
-            <a:off x="838080" y="1825560"/>
-            <a:ext cx="3385800" cy="2075040"/>
+            <a:off x="609480" y="1604520"/>
+            <a:ext cx="3533040" cy="1896840"/>
           </a:xfrm>
           <a:prstGeom prst="rect">
             <a:avLst/>
@@ -3397,20 +3037,8 @@
             <a:normAutofit/>
           </a:bodyPr>
           <a:p>
-            <a:pPr>
-              <a:lnSpc>
-                <a:spcPct val="90000"/>
-              </a:lnSpc>
-              <a:spcBef>
-                <a:spcPts val="1417"/>
-              </a:spcBef>
-              <a:buNone/>
-            </a:pPr>
-            <a:endParaRPr b="0" lang="en-US" sz="2800" spc="-1" strike="noStrike">
-              <a:solidFill>
-                <a:srgbClr val="000000"/>
-              </a:solidFill>
-              <a:latin typeface="Amasis MT Pro Medium"/>
+            <a:endParaRPr b="0" lang="en-CA" sz="3200" spc="-1" strike="noStrike">
+              <a:latin typeface="Arial"/>
             </a:endParaRPr>
           </a:p>
         </p:txBody>
@@ -3427,8 +3055,8 @@
         </p:nvSpPr>
         <p:spPr>
           <a:xfrm>
-            <a:off x="4393440" y="1825560"/>
-            <a:ext cx="3385800" cy="2075040"/>
+            <a:off x="4319640" y="1604520"/>
+            <a:ext cx="3533040" cy="1896840"/>
           </a:xfrm>
           <a:prstGeom prst="rect">
             <a:avLst/>
@@ -3443,20 +3071,8 @@
             <a:normAutofit/>
           </a:bodyPr>
           <a:p>
-            <a:pPr>
-              <a:lnSpc>
-                <a:spcPct val="90000"/>
-              </a:lnSpc>
-              <a:spcBef>
-                <a:spcPts val="1417"/>
-              </a:spcBef>
-              <a:buNone/>
-            </a:pPr>
-            <a:endParaRPr b="0" lang="en-US" sz="2800" spc="-1" strike="noStrike">
-              <a:solidFill>
-                <a:srgbClr val="000000"/>
-              </a:solidFill>
-              <a:latin typeface="Amasis MT Pro Medium"/>
+            <a:endParaRPr b="0" lang="en-CA" sz="3200" spc="-1" strike="noStrike">
+              <a:latin typeface="Arial"/>
             </a:endParaRPr>
           </a:p>
         </p:txBody>
@@ -3473,8 +3089,8 @@
         </p:nvSpPr>
         <p:spPr>
           <a:xfrm>
-            <a:off x="7949160" y="1825560"/>
-            <a:ext cx="3385800" cy="2075040"/>
+            <a:off x="8029800" y="1604520"/>
+            <a:ext cx="3533040" cy="1896840"/>
           </a:xfrm>
           <a:prstGeom prst="rect">
             <a:avLst/>
@@ -3489,20 +3105,8 @@
             <a:normAutofit/>
           </a:bodyPr>
           <a:p>
-            <a:pPr>
-              <a:lnSpc>
-                <a:spcPct val="90000"/>
-              </a:lnSpc>
-              <a:spcBef>
-                <a:spcPts val="1417"/>
-              </a:spcBef>
-              <a:buNone/>
-            </a:pPr>
-            <a:endParaRPr b="0" lang="en-US" sz="2800" spc="-1" strike="noStrike">
-              <a:solidFill>
-                <a:srgbClr val="000000"/>
-              </a:solidFill>
-              <a:latin typeface="Amasis MT Pro Medium"/>
+            <a:endParaRPr b="0" lang="en-CA" sz="3200" spc="-1" strike="noStrike">
+              <a:latin typeface="Arial"/>
             </a:endParaRPr>
           </a:p>
         </p:txBody>
@@ -3519,8 +3123,8 @@
         </p:nvSpPr>
         <p:spPr>
           <a:xfrm>
-            <a:off x="838080" y="4098240"/>
-            <a:ext cx="3385800" cy="2075040"/>
+            <a:off x="609480" y="3682080"/>
+            <a:ext cx="3533040" cy="1896840"/>
           </a:xfrm>
           <a:prstGeom prst="rect">
             <a:avLst/>
@@ -3535,20 +3139,8 @@
             <a:normAutofit/>
           </a:bodyPr>
           <a:p>
-            <a:pPr>
-              <a:lnSpc>
-                <a:spcPct val="90000"/>
-              </a:lnSpc>
-              <a:spcBef>
-                <a:spcPts val="1417"/>
-              </a:spcBef>
-              <a:buNone/>
-            </a:pPr>
-            <a:endParaRPr b="0" lang="en-US" sz="2800" spc="-1" strike="noStrike">
-              <a:solidFill>
-                <a:srgbClr val="000000"/>
-              </a:solidFill>
-              <a:latin typeface="Amasis MT Pro Medium"/>
+            <a:endParaRPr b="0" lang="en-CA" sz="3200" spc="-1" strike="noStrike">
+              <a:latin typeface="Arial"/>
             </a:endParaRPr>
           </a:p>
         </p:txBody>
@@ -3565,8 +3157,8 @@
         </p:nvSpPr>
         <p:spPr>
           <a:xfrm>
-            <a:off x="4393440" y="4098240"/>
-            <a:ext cx="3385800" cy="2075040"/>
+            <a:off x="4319640" y="3682080"/>
+            <a:ext cx="3533040" cy="1896840"/>
           </a:xfrm>
           <a:prstGeom prst="rect">
             <a:avLst/>
@@ -3581,20 +3173,8 @@
             <a:normAutofit/>
           </a:bodyPr>
           <a:p>
-            <a:pPr>
-              <a:lnSpc>
-                <a:spcPct val="90000"/>
-              </a:lnSpc>
-              <a:spcBef>
-                <a:spcPts val="1417"/>
-              </a:spcBef>
-              <a:buNone/>
-            </a:pPr>
-            <a:endParaRPr b="0" lang="en-US" sz="2800" spc="-1" strike="noStrike">
-              <a:solidFill>
-                <a:srgbClr val="000000"/>
-              </a:solidFill>
-              <a:latin typeface="Amasis MT Pro Medium"/>
+            <a:endParaRPr b="0" lang="en-CA" sz="3200" spc="-1" strike="noStrike">
+              <a:latin typeface="Arial"/>
             </a:endParaRPr>
           </a:p>
         </p:txBody>
@@ -3611,8 +3191,8 @@
         </p:nvSpPr>
         <p:spPr>
           <a:xfrm>
-            <a:off x="7949160" y="4098240"/>
-            <a:ext cx="3385800" cy="2075040"/>
+            <a:off x="8029800" y="3682080"/>
+            <a:ext cx="3533040" cy="1896840"/>
           </a:xfrm>
           <a:prstGeom prst="rect">
             <a:avLst/>
@@ -3627,20 +3207,8 @@
             <a:normAutofit/>
           </a:bodyPr>
           <a:p>
-            <a:pPr>
-              <a:lnSpc>
-                <a:spcPct val="90000"/>
-              </a:lnSpc>
-              <a:spcBef>
-                <a:spcPts val="1417"/>
-              </a:spcBef>
-              <a:buNone/>
-            </a:pPr>
-            <a:endParaRPr b="0" lang="en-US" sz="2800" spc="-1" strike="noStrike">
-              <a:solidFill>
-                <a:srgbClr val="000000"/>
-              </a:solidFill>
-              <a:latin typeface="Amasis MT Pro Medium"/>
+            <a:endParaRPr b="0" lang="en-CA" sz="3200" spc="-1" strike="noStrike">
+              <a:latin typeface="Arial"/>
             </a:endParaRPr>
           </a:p>
         </p:txBody>
@@ -3652,7 +3220,7 @@
             <a:spLocks noGrp="1"/>
           </p:cNvSpPr>
           <p:nvPr>
-            <p:ph type="ftr" idx="5"/>
+            <p:ph type="ftr" idx="4"/>
           </p:nvPr>
         </p:nvSpPr>
         <p:spPr/>
@@ -3672,14 +3240,14 @@
             <a:spLocks noGrp="1"/>
           </p:cNvSpPr>
           <p:nvPr>
-            <p:ph type="sldNum" idx="6"/>
+            <p:ph type="sldNum" idx="5"/>
           </p:nvPr>
         </p:nvSpPr>
         <p:spPr/>
         <p:txBody>
           <a:bodyPr/>
           <a:p>
-            <a:fld id="{9FBAAFE0-9E5D-4A02-84E4-54D1E2277489}" type="slidenum">
+            <a:fld id="{F8745D41-7E2D-467F-8CC2-FC68B16C9942}" type="slidenum">
               <a:t>&lt;#&gt;</a:t>
             </a:fld>
           </a:p>
@@ -3692,7 +3260,7 @@
             <a:spLocks noGrp="1"/>
           </p:cNvSpPr>
           <p:nvPr>
-            <p:ph type="dt" idx="4"/>
+            <p:ph type="dt" idx="6"/>
           </p:nvPr>
         </p:nvSpPr>
         <p:spPr/>
@@ -3740,8 +3308,8 @@
         </p:nvSpPr>
         <p:spPr>
           <a:xfrm>
-            <a:off x="838080" y="365040"/>
-            <a:ext cx="10515240" cy="1325160"/>
+            <a:off x="609480" y="273600"/>
+            <a:ext cx="10972440" cy="1144800"/>
           </a:xfrm>
           <a:prstGeom prst="rect">
             <a:avLst/>
@@ -3756,11 +3324,11 @@
             <a:noAutofit/>
           </a:bodyPr>
           <a:p>
-            <a:endParaRPr b="0" lang="en-US" sz="1800" spc="-1" strike="noStrike">
-              <a:solidFill>
-                <a:srgbClr val="000000"/>
-              </a:solidFill>
-              <a:latin typeface="Amasis MT Pro Medium"/>
+            <a:pPr algn="ctr">
+              <a:buNone/>
+            </a:pPr>
+            <a:endParaRPr b="0" lang="en-CA" sz="4400" spc="-1" strike="noStrike">
+              <a:latin typeface="Arial"/>
             </a:endParaRPr>
           </a:p>
         </p:txBody>
@@ -3777,8 +3345,8 @@
         </p:nvSpPr>
         <p:spPr>
           <a:xfrm>
-            <a:off x="838080" y="1825560"/>
-            <a:ext cx="10515240" cy="4350960"/>
+            <a:off x="609480" y="1604520"/>
+            <a:ext cx="10972440" cy="3977280"/>
           </a:xfrm>
           <a:prstGeom prst="rect">
             <a:avLst/>
@@ -3793,20 +3361,8 @@
             <a:normAutofit/>
           </a:bodyPr>
           <a:p>
-            <a:pPr>
-              <a:lnSpc>
-                <a:spcPct val="90000"/>
-              </a:lnSpc>
-              <a:spcBef>
-                <a:spcPts val="1417"/>
-              </a:spcBef>
-              <a:buNone/>
-            </a:pPr>
-            <a:endParaRPr b="0" lang="en-US" sz="2800" spc="-1" strike="noStrike">
-              <a:solidFill>
-                <a:srgbClr val="000000"/>
-              </a:solidFill>
-              <a:latin typeface="Amasis MT Pro Medium"/>
+            <a:endParaRPr b="0" lang="en-CA" sz="3200" spc="-1" strike="noStrike">
+              <a:latin typeface="Arial"/>
             </a:endParaRPr>
           </a:p>
         </p:txBody>
@@ -3818,7 +3374,7 @@
             <a:spLocks noGrp="1"/>
           </p:cNvSpPr>
           <p:nvPr>
-            <p:ph type="ftr" idx="2"/>
+            <p:ph type="ftr" idx="1"/>
           </p:nvPr>
         </p:nvSpPr>
         <p:spPr/>
@@ -3838,14 +3394,14 @@
             <a:spLocks noGrp="1"/>
           </p:cNvSpPr>
           <p:nvPr>
-            <p:ph type="sldNum" idx="3"/>
+            <p:ph type="sldNum" idx="2"/>
           </p:nvPr>
         </p:nvSpPr>
         <p:spPr/>
         <p:txBody>
           <a:bodyPr/>
           <a:p>
-            <a:fld id="{DA7E4C69-8729-4455-9F70-EBE9D86E9C9E}" type="slidenum">
+            <a:fld id="{07795A4D-F977-49F3-9776-9B8DF5D111AF}" type="slidenum">
               <a:t>&lt;#&gt;</a:t>
             </a:fld>
           </a:p>
@@ -3858,7 +3414,7 @@
             <a:spLocks noGrp="1"/>
           </p:cNvSpPr>
           <p:nvPr>
-            <p:ph type="dt" idx="1"/>
+            <p:ph type="dt" idx="3"/>
           </p:nvPr>
         </p:nvSpPr>
         <p:spPr/>
@@ -3906,8 +3462,8 @@
         </p:nvSpPr>
         <p:spPr>
           <a:xfrm>
-            <a:off x="838080" y="365040"/>
-            <a:ext cx="10515240" cy="1325160"/>
+            <a:off x="609480" y="273600"/>
+            <a:ext cx="10972440" cy="1144800"/>
           </a:xfrm>
           <a:prstGeom prst="rect">
             <a:avLst/>
@@ -3922,11 +3478,11 @@
             <a:noAutofit/>
           </a:bodyPr>
           <a:p>
-            <a:endParaRPr b="0" lang="en-US" sz="1800" spc="-1" strike="noStrike">
-              <a:solidFill>
-                <a:srgbClr val="000000"/>
-              </a:solidFill>
-              <a:latin typeface="Amasis MT Pro Medium"/>
+            <a:pPr algn="ctr">
+              <a:buNone/>
+            </a:pPr>
+            <a:endParaRPr b="0" lang="en-CA" sz="4400" spc="-1" strike="noStrike">
+              <a:latin typeface="Arial"/>
             </a:endParaRPr>
           </a:p>
         </p:txBody>
@@ -3943,8 +3499,8 @@
         </p:nvSpPr>
         <p:spPr>
           <a:xfrm>
-            <a:off x="838080" y="1825560"/>
-            <a:ext cx="5131080" cy="4350960"/>
+            <a:off x="609480" y="1604520"/>
+            <a:ext cx="5354280" cy="3977280"/>
           </a:xfrm>
           <a:prstGeom prst="rect">
             <a:avLst/>
@@ -3959,20 +3515,8 @@
             <a:normAutofit/>
           </a:bodyPr>
           <a:p>
-            <a:pPr>
-              <a:lnSpc>
-                <a:spcPct val="90000"/>
-              </a:lnSpc>
-              <a:spcBef>
-                <a:spcPts val="1417"/>
-              </a:spcBef>
-              <a:buNone/>
-            </a:pPr>
-            <a:endParaRPr b="0" lang="en-US" sz="2800" spc="-1" strike="noStrike">
-              <a:solidFill>
-                <a:srgbClr val="000000"/>
-              </a:solidFill>
-              <a:latin typeface="Amasis MT Pro Medium"/>
+            <a:endParaRPr b="0" lang="en-CA" sz="3200" spc="-1" strike="noStrike">
+              <a:latin typeface="Arial"/>
             </a:endParaRPr>
           </a:p>
         </p:txBody>
@@ -3989,8 +3533,8 @@
         </p:nvSpPr>
         <p:spPr>
           <a:xfrm>
-            <a:off x="6226200" y="1825560"/>
-            <a:ext cx="5131080" cy="4350960"/>
+            <a:off x="6231960" y="1604520"/>
+            <a:ext cx="5354280" cy="3977280"/>
           </a:xfrm>
           <a:prstGeom prst="rect">
             <a:avLst/>
@@ -4005,20 +3549,8 @@
             <a:normAutofit/>
           </a:bodyPr>
           <a:p>
-            <a:pPr>
-              <a:lnSpc>
-                <a:spcPct val="90000"/>
-              </a:lnSpc>
-              <a:spcBef>
-                <a:spcPts val="1417"/>
-              </a:spcBef>
-              <a:buNone/>
-            </a:pPr>
-            <a:endParaRPr b="0" lang="en-US" sz="2800" spc="-1" strike="noStrike">
-              <a:solidFill>
-                <a:srgbClr val="000000"/>
-              </a:solidFill>
-              <a:latin typeface="Amasis MT Pro Medium"/>
+            <a:endParaRPr b="0" lang="en-CA" sz="3200" spc="-1" strike="noStrike">
+              <a:latin typeface="Arial"/>
             </a:endParaRPr>
           </a:p>
         </p:txBody>
@@ -4030,7 +3562,7 @@
             <a:spLocks noGrp="1"/>
           </p:cNvSpPr>
           <p:nvPr>
-            <p:ph type="ftr" idx="2"/>
+            <p:ph type="ftr" idx="1"/>
           </p:nvPr>
         </p:nvSpPr>
         <p:spPr/>
@@ -4050,14 +3582,14 @@
             <a:spLocks noGrp="1"/>
           </p:cNvSpPr>
           <p:nvPr>
-            <p:ph type="sldNum" idx="3"/>
+            <p:ph type="sldNum" idx="2"/>
           </p:nvPr>
         </p:nvSpPr>
         <p:spPr/>
         <p:txBody>
           <a:bodyPr/>
           <a:p>
-            <a:fld id="{CFD7385C-2F19-41FC-AC1A-242B4FF79406}" type="slidenum">
+            <a:fld id="{459B1988-9189-4944-AED2-559790F8AA34}" type="slidenum">
               <a:t>&lt;#&gt;</a:t>
             </a:fld>
           </a:p>
@@ -4070,7 +3602,7 @@
             <a:spLocks noGrp="1"/>
           </p:cNvSpPr>
           <p:nvPr>
-            <p:ph type="dt" idx="1"/>
+            <p:ph type="dt" idx="3"/>
           </p:nvPr>
         </p:nvSpPr>
         <p:spPr/>
@@ -4118,8 +3650,8 @@
         </p:nvSpPr>
         <p:spPr>
           <a:xfrm>
-            <a:off x="838080" y="365040"/>
-            <a:ext cx="10515240" cy="1325160"/>
+            <a:off x="609480" y="273600"/>
+            <a:ext cx="10972440" cy="1144800"/>
           </a:xfrm>
           <a:prstGeom prst="rect">
             <a:avLst/>
@@ -4134,11 +3666,11 @@
             <a:noAutofit/>
           </a:bodyPr>
           <a:p>
-            <a:endParaRPr b="0" lang="en-US" sz="1800" spc="-1" strike="noStrike">
-              <a:solidFill>
-                <a:srgbClr val="000000"/>
-              </a:solidFill>
-              <a:latin typeface="Amasis MT Pro Medium"/>
+            <a:pPr algn="ctr">
+              <a:buNone/>
+            </a:pPr>
+            <a:endParaRPr b="0" lang="en-CA" sz="4400" spc="-1" strike="noStrike">
+              <a:latin typeface="Arial"/>
             </a:endParaRPr>
           </a:p>
         </p:txBody>
@@ -4150,7 +3682,7 @@
             <a:spLocks noGrp="1"/>
           </p:cNvSpPr>
           <p:nvPr>
-            <p:ph type="ftr" idx="2"/>
+            <p:ph type="ftr" idx="1"/>
           </p:nvPr>
         </p:nvSpPr>
         <p:spPr/>
@@ -4170,14 +3702,14 @@
             <a:spLocks noGrp="1"/>
           </p:cNvSpPr>
           <p:nvPr>
-            <p:ph type="sldNum" idx="3"/>
+            <p:ph type="sldNum" idx="2"/>
           </p:nvPr>
         </p:nvSpPr>
         <p:spPr/>
         <p:txBody>
           <a:bodyPr/>
           <a:p>
-            <a:fld id="{865FCD0B-999E-4654-9C0B-B0F21E21DF65}" type="slidenum">
+            <a:fld id="{3DDF3992-0F26-466B-9FE6-CD71716CFC12}" type="slidenum">
               <a:t>&lt;#&gt;</a:t>
             </a:fld>
           </a:p>
@@ -4190,7 +3722,7 @@
             <a:spLocks noGrp="1"/>
           </p:cNvSpPr>
           <p:nvPr>
-            <p:ph type="dt" idx="1"/>
+            <p:ph type="dt" idx="3"/>
           </p:nvPr>
         </p:nvSpPr>
         <p:spPr/>
@@ -4238,8 +3770,8 @@
         </p:nvSpPr>
         <p:spPr>
           <a:xfrm>
-            <a:off x="838080" y="365040"/>
-            <a:ext cx="10515240" cy="6144120"/>
+            <a:off x="609480" y="273600"/>
+            <a:ext cx="10972440" cy="5307840"/>
           </a:xfrm>
           <a:prstGeom prst="rect">
             <a:avLst/>
@@ -4270,7 +3802,7 @@
             <a:spLocks noGrp="1"/>
           </p:cNvSpPr>
           <p:nvPr>
-            <p:ph type="ftr" idx="2"/>
+            <p:ph type="ftr" idx="1"/>
           </p:nvPr>
         </p:nvSpPr>
         <p:spPr/>
@@ -4290,14 +3822,14 @@
             <a:spLocks noGrp="1"/>
           </p:cNvSpPr>
           <p:nvPr>
-            <p:ph type="sldNum" idx="3"/>
+            <p:ph type="sldNum" idx="2"/>
           </p:nvPr>
         </p:nvSpPr>
         <p:spPr/>
         <p:txBody>
           <a:bodyPr/>
           <a:p>
-            <a:fld id="{5AF935AF-F16D-4A82-AF3E-6ECA0A696541}" type="slidenum">
+            <a:fld id="{BE629299-DE1A-4CEC-9581-AE83FA9C5545}" type="slidenum">
               <a:t>&lt;#&gt;</a:t>
             </a:fld>
           </a:p>
@@ -4310,7 +3842,7 @@
             <a:spLocks noGrp="1"/>
           </p:cNvSpPr>
           <p:nvPr>
-            <p:ph type="dt" idx="1"/>
+            <p:ph type="dt" idx="3"/>
           </p:nvPr>
         </p:nvSpPr>
         <p:spPr/>
@@ -4358,8 +3890,8 @@
         </p:nvSpPr>
         <p:spPr>
           <a:xfrm>
-            <a:off x="838080" y="365040"/>
-            <a:ext cx="10515240" cy="1325160"/>
+            <a:off x="609480" y="273600"/>
+            <a:ext cx="10972440" cy="1144800"/>
           </a:xfrm>
           <a:prstGeom prst="rect">
             <a:avLst/>
@@ -4374,11 +3906,11 @@
             <a:noAutofit/>
           </a:bodyPr>
           <a:p>
-            <a:endParaRPr b="0" lang="en-US" sz="1800" spc="-1" strike="noStrike">
-              <a:solidFill>
-                <a:srgbClr val="000000"/>
-              </a:solidFill>
-              <a:latin typeface="Amasis MT Pro Medium"/>
+            <a:pPr algn="ctr">
+              <a:buNone/>
+            </a:pPr>
+            <a:endParaRPr b="0" lang="en-CA" sz="4400" spc="-1" strike="noStrike">
+              <a:latin typeface="Arial"/>
             </a:endParaRPr>
           </a:p>
         </p:txBody>
@@ -4395,8 +3927,8 @@
         </p:nvSpPr>
         <p:spPr>
           <a:xfrm>
-            <a:off x="838080" y="1825560"/>
-            <a:ext cx="5131080" cy="2075040"/>
+            <a:off x="609480" y="1604520"/>
+            <a:ext cx="5354280" cy="1896840"/>
           </a:xfrm>
           <a:prstGeom prst="rect">
             <a:avLst/>
@@ -4411,20 +3943,8 @@
             <a:normAutofit/>
           </a:bodyPr>
           <a:p>
-            <a:pPr>
-              <a:lnSpc>
-                <a:spcPct val="90000"/>
-              </a:lnSpc>
-              <a:spcBef>
-                <a:spcPts val="1417"/>
-              </a:spcBef>
-              <a:buNone/>
-            </a:pPr>
-            <a:endParaRPr b="0" lang="en-US" sz="2800" spc="-1" strike="noStrike">
-              <a:solidFill>
-                <a:srgbClr val="000000"/>
-              </a:solidFill>
-              <a:latin typeface="Amasis MT Pro Medium"/>
+            <a:endParaRPr b="0" lang="en-CA" sz="3200" spc="-1" strike="noStrike">
+              <a:latin typeface="Arial"/>
             </a:endParaRPr>
           </a:p>
         </p:txBody>
@@ -4441,8 +3961,8 @@
         </p:nvSpPr>
         <p:spPr>
           <a:xfrm>
-            <a:off x="6226200" y="1825560"/>
-            <a:ext cx="5131080" cy="4350960"/>
+            <a:off x="6231960" y="1604520"/>
+            <a:ext cx="5354280" cy="3977280"/>
           </a:xfrm>
           <a:prstGeom prst="rect">
             <a:avLst/>
@@ -4457,20 +3977,8 @@
             <a:normAutofit/>
           </a:bodyPr>
           <a:p>
-            <a:pPr>
-              <a:lnSpc>
-                <a:spcPct val="90000"/>
-              </a:lnSpc>
-              <a:spcBef>
-                <a:spcPts val="1417"/>
-              </a:spcBef>
-              <a:buNone/>
-            </a:pPr>
-            <a:endParaRPr b="0" lang="en-US" sz="2800" spc="-1" strike="noStrike">
-              <a:solidFill>
-                <a:srgbClr val="000000"/>
-              </a:solidFill>
-              <a:latin typeface="Amasis MT Pro Medium"/>
+            <a:endParaRPr b="0" lang="en-CA" sz="3200" spc="-1" strike="noStrike">
+              <a:latin typeface="Arial"/>
             </a:endParaRPr>
           </a:p>
         </p:txBody>
@@ -4487,8 +3995,8 @@
         </p:nvSpPr>
         <p:spPr>
           <a:xfrm>
-            <a:off x="838080" y="4098240"/>
-            <a:ext cx="5131080" cy="2075040"/>
+            <a:off x="609480" y="3682080"/>
+            <a:ext cx="5354280" cy="1896840"/>
           </a:xfrm>
           <a:prstGeom prst="rect">
             <a:avLst/>
@@ -4503,20 +4011,8 @@
             <a:normAutofit/>
           </a:bodyPr>
           <a:p>
-            <a:pPr>
-              <a:lnSpc>
-                <a:spcPct val="90000"/>
-              </a:lnSpc>
-              <a:spcBef>
-                <a:spcPts val="1417"/>
-              </a:spcBef>
-              <a:buNone/>
-            </a:pPr>
-            <a:endParaRPr b="0" lang="en-US" sz="2800" spc="-1" strike="noStrike">
-              <a:solidFill>
-                <a:srgbClr val="000000"/>
-              </a:solidFill>
-              <a:latin typeface="Amasis MT Pro Medium"/>
+            <a:endParaRPr b="0" lang="en-CA" sz="3200" spc="-1" strike="noStrike">
+              <a:latin typeface="Arial"/>
             </a:endParaRPr>
           </a:p>
         </p:txBody>
@@ -4528,7 +4024,7 @@
             <a:spLocks noGrp="1"/>
           </p:cNvSpPr>
           <p:nvPr>
-            <p:ph type="ftr" idx="2"/>
+            <p:ph type="ftr" idx="1"/>
           </p:nvPr>
         </p:nvSpPr>
         <p:spPr/>
@@ -4548,14 +4044,14 @@
             <a:spLocks noGrp="1"/>
           </p:cNvSpPr>
           <p:nvPr>
-            <p:ph type="sldNum" idx="3"/>
+            <p:ph type="sldNum" idx="2"/>
           </p:nvPr>
         </p:nvSpPr>
         <p:spPr/>
         <p:txBody>
           <a:bodyPr/>
           <a:p>
-            <a:fld id="{F6E7637B-C838-44A0-B1C1-4A06B17E1D05}" type="slidenum">
+            <a:fld id="{4C67AE77-EF31-44F3-81FF-A16BD2D4D293}" type="slidenum">
               <a:t>&lt;#&gt;</a:t>
             </a:fld>
           </a:p>
@@ -4568,7 +4064,7 @@
             <a:spLocks noGrp="1"/>
           </p:cNvSpPr>
           <p:nvPr>
-            <p:ph type="dt" idx="1"/>
+            <p:ph type="dt" idx="3"/>
           </p:nvPr>
         </p:nvSpPr>
         <p:spPr/>
@@ -4616,8 +4112,8 @@
         </p:nvSpPr>
         <p:spPr>
           <a:xfrm>
-            <a:off x="838080" y="365040"/>
-            <a:ext cx="10515240" cy="1325160"/>
+            <a:off x="609480" y="273600"/>
+            <a:ext cx="10972440" cy="1144800"/>
           </a:xfrm>
           <a:prstGeom prst="rect">
             <a:avLst/>
@@ -4632,11 +4128,11 @@
             <a:noAutofit/>
           </a:bodyPr>
           <a:p>
-            <a:endParaRPr b="0" lang="en-US" sz="1800" spc="-1" strike="noStrike">
-              <a:solidFill>
-                <a:srgbClr val="000000"/>
-              </a:solidFill>
-              <a:latin typeface="Amasis MT Pro Medium"/>
+            <a:pPr algn="ctr">
+              <a:buNone/>
+            </a:pPr>
+            <a:endParaRPr b="0" lang="en-CA" sz="4400" spc="-1" strike="noStrike">
+              <a:latin typeface="Arial"/>
             </a:endParaRPr>
           </a:p>
         </p:txBody>
@@ -4653,8 +4149,8 @@
         </p:nvSpPr>
         <p:spPr>
           <a:xfrm>
-            <a:off x="838080" y="1825560"/>
-            <a:ext cx="5131080" cy="4350960"/>
+            <a:off x="609480" y="1604520"/>
+            <a:ext cx="5354280" cy="3977280"/>
           </a:xfrm>
           <a:prstGeom prst="rect">
             <a:avLst/>
@@ -4669,20 +4165,8 @@
             <a:normAutofit/>
           </a:bodyPr>
           <a:p>
-            <a:pPr>
-              <a:lnSpc>
-                <a:spcPct val="90000"/>
-              </a:lnSpc>
-              <a:spcBef>
-                <a:spcPts val="1417"/>
-              </a:spcBef>
-              <a:buNone/>
-            </a:pPr>
-            <a:endParaRPr b="0" lang="en-US" sz="2800" spc="-1" strike="noStrike">
-              <a:solidFill>
-                <a:srgbClr val="000000"/>
-              </a:solidFill>
-              <a:latin typeface="Amasis MT Pro Medium"/>
+            <a:endParaRPr b="0" lang="en-CA" sz="3200" spc="-1" strike="noStrike">
+              <a:latin typeface="Arial"/>
             </a:endParaRPr>
           </a:p>
         </p:txBody>
@@ -4699,8 +4183,8 @@
         </p:nvSpPr>
         <p:spPr>
           <a:xfrm>
-            <a:off x="6226200" y="1825560"/>
-            <a:ext cx="5131080" cy="2075040"/>
+            <a:off x="6231960" y="1604520"/>
+            <a:ext cx="5354280" cy="1896840"/>
           </a:xfrm>
           <a:prstGeom prst="rect">
             <a:avLst/>
@@ -4715,20 +4199,8 @@
             <a:normAutofit/>
           </a:bodyPr>
           <a:p>
-            <a:pPr>
-              <a:lnSpc>
-                <a:spcPct val="90000"/>
-              </a:lnSpc>
-              <a:spcBef>
-                <a:spcPts val="1417"/>
-              </a:spcBef>
-              <a:buNone/>
-            </a:pPr>
-            <a:endParaRPr b="0" lang="en-US" sz="2800" spc="-1" strike="noStrike">
-              <a:solidFill>
-                <a:srgbClr val="000000"/>
-              </a:solidFill>
-              <a:latin typeface="Amasis MT Pro Medium"/>
+            <a:endParaRPr b="0" lang="en-CA" sz="3200" spc="-1" strike="noStrike">
+              <a:latin typeface="Arial"/>
             </a:endParaRPr>
           </a:p>
         </p:txBody>
@@ -4745,8 +4217,8 @@
         </p:nvSpPr>
         <p:spPr>
           <a:xfrm>
-            <a:off x="6226200" y="4098240"/>
-            <a:ext cx="5131080" cy="2075040"/>
+            <a:off x="6231960" y="3682080"/>
+            <a:ext cx="5354280" cy="1896840"/>
           </a:xfrm>
           <a:prstGeom prst="rect">
             <a:avLst/>
@@ -4761,20 +4233,8 @@
             <a:normAutofit/>
           </a:bodyPr>
           <a:p>
-            <a:pPr>
-              <a:lnSpc>
-                <a:spcPct val="90000"/>
-              </a:lnSpc>
-              <a:spcBef>
-                <a:spcPts val="1417"/>
-              </a:spcBef>
-              <a:buNone/>
-            </a:pPr>
-            <a:endParaRPr b="0" lang="en-US" sz="2800" spc="-1" strike="noStrike">
-              <a:solidFill>
-                <a:srgbClr val="000000"/>
-              </a:solidFill>
-              <a:latin typeface="Amasis MT Pro Medium"/>
+            <a:endParaRPr b="0" lang="en-CA" sz="3200" spc="-1" strike="noStrike">
+              <a:latin typeface="Arial"/>
             </a:endParaRPr>
           </a:p>
         </p:txBody>
@@ -4786,7 +4246,7 @@
             <a:spLocks noGrp="1"/>
           </p:cNvSpPr>
           <p:nvPr>
-            <p:ph type="ftr" idx="2"/>
+            <p:ph type="ftr" idx="1"/>
           </p:nvPr>
         </p:nvSpPr>
         <p:spPr/>
@@ -4806,14 +4266,14 @@
             <a:spLocks noGrp="1"/>
           </p:cNvSpPr>
           <p:nvPr>
-            <p:ph type="sldNum" idx="3"/>
+            <p:ph type="sldNum" idx="2"/>
           </p:nvPr>
         </p:nvSpPr>
         <p:spPr/>
         <p:txBody>
           <a:bodyPr/>
           <a:p>
-            <a:fld id="{526EFBC0-9F4E-4068-8A32-2C5B3CFDBCC7}" type="slidenum">
+            <a:fld id="{3C76D6E3-EA61-469B-B6FB-0CD44D877B62}" type="slidenum">
               <a:t>&lt;#&gt;</a:t>
             </a:fld>
           </a:p>
@@ -4826,7 +4286,7 @@
             <a:spLocks noGrp="1"/>
           </p:cNvSpPr>
           <p:nvPr>
-            <p:ph type="dt" idx="1"/>
+            <p:ph type="dt" idx="3"/>
           </p:nvPr>
         </p:nvSpPr>
         <p:spPr/>
@@ -4874,8 +4334,8 @@
         </p:nvSpPr>
         <p:spPr>
           <a:xfrm>
-            <a:off x="838080" y="365040"/>
-            <a:ext cx="10515240" cy="1325160"/>
+            <a:off x="609480" y="273600"/>
+            <a:ext cx="10972440" cy="1144800"/>
           </a:xfrm>
           <a:prstGeom prst="rect">
             <a:avLst/>
@@ -4890,11 +4350,11 @@
             <a:noAutofit/>
           </a:bodyPr>
           <a:p>
-            <a:endParaRPr b="0" lang="en-US" sz="1800" spc="-1" strike="noStrike">
-              <a:solidFill>
-                <a:srgbClr val="000000"/>
-              </a:solidFill>
-              <a:latin typeface="Amasis MT Pro Medium"/>
+            <a:pPr algn="ctr">
+              <a:buNone/>
+            </a:pPr>
+            <a:endParaRPr b="0" lang="en-CA" sz="4400" spc="-1" strike="noStrike">
+              <a:latin typeface="Arial"/>
             </a:endParaRPr>
           </a:p>
         </p:txBody>
@@ -4911,8 +4371,8 @@
         </p:nvSpPr>
         <p:spPr>
           <a:xfrm>
-            <a:off x="838080" y="1825560"/>
-            <a:ext cx="5131080" cy="2075040"/>
+            <a:off x="609480" y="1604520"/>
+            <a:ext cx="5354280" cy="1896840"/>
           </a:xfrm>
           <a:prstGeom prst="rect">
             <a:avLst/>
@@ -4927,20 +4387,8 @@
             <a:normAutofit/>
           </a:bodyPr>
           <a:p>
-            <a:pPr>
-              <a:lnSpc>
-                <a:spcPct val="90000"/>
-              </a:lnSpc>
-              <a:spcBef>
-                <a:spcPts val="1417"/>
-              </a:spcBef>
-              <a:buNone/>
-            </a:pPr>
-            <a:endParaRPr b="0" lang="en-US" sz="2800" spc="-1" strike="noStrike">
-              <a:solidFill>
-                <a:srgbClr val="000000"/>
-              </a:solidFill>
-              <a:latin typeface="Amasis MT Pro Medium"/>
+            <a:endParaRPr b="0" lang="en-CA" sz="3200" spc="-1" strike="noStrike">
+              <a:latin typeface="Arial"/>
             </a:endParaRPr>
           </a:p>
         </p:txBody>
@@ -4957,8 +4405,8 @@
         </p:nvSpPr>
         <p:spPr>
           <a:xfrm>
-            <a:off x="6226200" y="1825560"/>
-            <a:ext cx="5131080" cy="2075040"/>
+            <a:off x="6231960" y="1604520"/>
+            <a:ext cx="5354280" cy="1896840"/>
           </a:xfrm>
           <a:prstGeom prst="rect">
             <a:avLst/>
@@ -4973,20 +4421,8 @@
             <a:normAutofit/>
           </a:bodyPr>
           <a:p>
-            <a:pPr>
-              <a:lnSpc>
-                <a:spcPct val="90000"/>
-              </a:lnSpc>
-              <a:spcBef>
-                <a:spcPts val="1417"/>
-              </a:spcBef>
-              <a:buNone/>
-            </a:pPr>
-            <a:endParaRPr b="0" lang="en-US" sz="2800" spc="-1" strike="noStrike">
-              <a:solidFill>
-                <a:srgbClr val="000000"/>
-              </a:solidFill>
-              <a:latin typeface="Amasis MT Pro Medium"/>
+            <a:endParaRPr b="0" lang="en-CA" sz="3200" spc="-1" strike="noStrike">
+              <a:latin typeface="Arial"/>
             </a:endParaRPr>
           </a:p>
         </p:txBody>
@@ -5003,8 +4439,8 @@
         </p:nvSpPr>
         <p:spPr>
           <a:xfrm>
-            <a:off x="838080" y="4098240"/>
-            <a:ext cx="10515240" cy="2075040"/>
+            <a:off x="609480" y="3682080"/>
+            <a:ext cx="10972440" cy="1896840"/>
           </a:xfrm>
           <a:prstGeom prst="rect">
             <a:avLst/>
@@ -5019,20 +4455,8 @@
             <a:normAutofit/>
           </a:bodyPr>
           <a:p>
-            <a:pPr>
-              <a:lnSpc>
-                <a:spcPct val="90000"/>
-              </a:lnSpc>
-              <a:spcBef>
-                <a:spcPts val="1417"/>
-              </a:spcBef>
-              <a:buNone/>
-            </a:pPr>
-            <a:endParaRPr b="0" lang="en-US" sz="2800" spc="-1" strike="noStrike">
-              <a:solidFill>
-                <a:srgbClr val="000000"/>
-              </a:solidFill>
-              <a:latin typeface="Amasis MT Pro Medium"/>
+            <a:endParaRPr b="0" lang="en-CA" sz="3200" spc="-1" strike="noStrike">
+              <a:latin typeface="Arial"/>
             </a:endParaRPr>
           </a:p>
         </p:txBody>
@@ -5044,7 +4468,7 @@
             <a:spLocks noGrp="1"/>
           </p:cNvSpPr>
           <p:nvPr>
-            <p:ph type="ftr" idx="2"/>
+            <p:ph type="ftr" idx="1"/>
           </p:nvPr>
         </p:nvSpPr>
         <p:spPr/>
@@ -5064,14 +4488,14 @@
             <a:spLocks noGrp="1"/>
           </p:cNvSpPr>
           <p:nvPr>
-            <p:ph type="sldNum" idx="3"/>
+            <p:ph type="sldNum" idx="2"/>
           </p:nvPr>
         </p:nvSpPr>
         <p:spPr/>
         <p:txBody>
           <a:bodyPr/>
           <a:p>
-            <a:fld id="{EFF797A7-3C77-488D-8396-14ACE91B30B0}" type="slidenum">
+            <a:fld id="{DDCE0AF2-9653-453F-AC58-BA3FC0D3D2A8}" type="slidenum">
               <a:t>&lt;#&gt;</a:t>
             </a:fld>
           </a:p>
@@ -5084,7 +4508,7 @@
             <a:spLocks noGrp="1"/>
           </p:cNvSpPr>
           <p:nvPr>
-            <p:ph type="dt" idx="1"/>
+            <p:ph type="dt" idx="3"/>
           </p:nvPr>
         </p:nvSpPr>
         <p:spPr/>
@@ -5139,105 +4563,213 @@
         </p:nvSpPr>
         <p:spPr>
           <a:xfrm>
-            <a:off x="1523880" y="1122480"/>
-            <a:ext cx="9143640" cy="2387160"/>
-          </a:xfrm>
-          <a:prstGeom prst="rect">
-            <a:avLst/>
-          </a:prstGeom>
-          <a:noFill/>
-          <a:ln w="0">
-            <a:noFill/>
-          </a:ln>
-        </p:spPr>
-        <p:txBody>
-          <a:bodyPr anchor="b">
+            <a:off x="609480" y="273600"/>
+            <a:ext cx="10972080" cy="1144440"/>
+          </a:xfrm>
+          <a:prstGeom prst="rect">
+            <a:avLst/>
+          </a:prstGeom>
+          <a:noFill/>
+          <a:ln w="0">
+            <a:noFill/>
+          </a:ln>
+        </p:spPr>
+        <p:txBody>
+          <a:bodyPr lIns="0" rIns="0" tIns="0" bIns="0" anchor="ctr">
             <a:noAutofit/>
           </a:bodyPr>
           <a:p>
-            <a:pPr algn="ctr">
-              <a:lnSpc>
-                <a:spcPct val="90000"/>
-              </a:lnSpc>
-              <a:buNone/>
+            <a:r>
+              <a:rPr b="0" lang="en-CA" sz="1800" spc="-1" strike="noStrike">
+                <a:latin typeface="Arial"/>
+              </a:rPr>
+              <a:t>Click to edit the title text format</a:t>
+            </a:r>
+            <a:endParaRPr b="0" lang="en-CA" sz="1800" spc="-1" strike="noStrike">
+              <a:latin typeface="Arial"/>
+            </a:endParaRPr>
+          </a:p>
+        </p:txBody>
+      </p:sp>
+      <p:sp>
+        <p:nvSpPr>
+          <p:cNvPr id="1" name="PlaceHolder 2"/>
+          <p:cNvSpPr>
+            <a:spLocks noGrp="1"/>
+          </p:cNvSpPr>
+          <p:nvPr>
+            <p:ph type="body"/>
+          </p:nvPr>
+        </p:nvSpPr>
+        <p:spPr>
+          <a:xfrm>
+            <a:off x="609480" y="1604520"/>
+            <a:ext cx="10972080" cy="3976920"/>
+          </a:xfrm>
+          <a:prstGeom prst="rect">
+            <a:avLst/>
+          </a:prstGeom>
+          <a:noFill/>
+          <a:ln w="0">
+            <a:noFill/>
+          </a:ln>
+        </p:spPr>
+        <p:txBody>
+          <a:bodyPr lIns="0" rIns="0" tIns="0" bIns="0" anchor="t">
+            <a:normAutofit/>
+          </a:bodyPr>
+          <a:p>
+            <a:pPr marL="432000" indent="-324000">
+              <a:spcBef>
+                <a:spcPts val="1417"/>
+              </a:spcBef>
+              <a:buClr>
+                <a:srgbClr val="000000"/>
+              </a:buClr>
+              <a:buSzPct val="45000"/>
+              <a:buFont typeface="Wingdings" charset="2"/>
+              <a:buChar char=""/>
             </a:pPr>
             <a:r>
-              <a:rPr b="0" lang="en-US" sz="6000" spc="-1" strike="noStrike">
-                <a:solidFill>
-                  <a:srgbClr val="000000"/>
-                </a:solidFill>
-                <a:latin typeface="Amasis MT Pro Black"/>
+              <a:rPr b="0" lang="en-CA" sz="1800" spc="-1" strike="noStrike">
+                <a:latin typeface="Arial"/>
               </a:rPr>
-              <a:t>Click to edit Master title style</a:t>
+              <a:t>Click to edit the outline text format</a:t>
             </a:r>
-            <a:endParaRPr b="0" lang="en-US" sz="6000" spc="-1" strike="noStrike">
-              <a:solidFill>
+            <a:endParaRPr b="0" lang="en-CA" sz="1800" spc="-1" strike="noStrike">
+              <a:latin typeface="Arial"/>
+            </a:endParaRPr>
+          </a:p>
+          <a:p>
+            <a:pPr lvl="1" marL="864000" indent="-324000">
+              <a:spcBef>
+                <a:spcPts val="1134"/>
+              </a:spcBef>
+              <a:buClr>
                 <a:srgbClr val="000000"/>
-              </a:solidFill>
-              <a:latin typeface="Amasis MT Pro Medium"/>
-            </a:endParaRPr>
-          </a:p>
-        </p:txBody>
-      </p:sp>
-      <p:sp>
-        <p:nvSpPr>
-          <p:cNvPr id="1" name="PlaceHolder 2"/>
-          <p:cNvSpPr>
-            <a:spLocks noGrp="1"/>
-          </p:cNvSpPr>
-          <p:nvPr>
-            <p:ph type="dt" idx="1"/>
-          </p:nvPr>
-        </p:nvSpPr>
-        <p:spPr>
-          <a:xfrm>
-            <a:off x="838080" y="6356520"/>
-            <a:ext cx="2742840" cy="364680"/>
-          </a:xfrm>
-          <a:prstGeom prst="rect">
-            <a:avLst/>
-          </a:prstGeom>
-          <a:noFill/>
-          <a:ln w="0">
-            <a:noFill/>
-          </a:ln>
-        </p:spPr>
-        <p:txBody>
-          <a:bodyPr anchor="ctr">
-            <a:noAutofit/>
-          </a:bodyPr>
-          <a:lstStyle>
-            <a:lvl1pPr>
-              <a:lnSpc>
-                <a:spcPct val="100000"/>
-              </a:lnSpc>
-              <a:buNone/>
-              <a:defRPr b="0" lang="en-CA" sz="1200" spc="-1" strike="noStrike">
-                <a:solidFill>
-                  <a:srgbClr val="787878"/>
-                </a:solidFill>
-                <a:latin typeface="Amasis MT Pro Medium"/>
-              </a:defRPr>
-            </a:lvl1pPr>
-          </a:lstStyle>
-          <a:p>
-            <a:pPr>
-              <a:lnSpc>
-                <a:spcPct val="100000"/>
-              </a:lnSpc>
-              <a:buNone/>
+              </a:buClr>
+              <a:buSzPct val="75000"/>
+              <a:buFont typeface="Symbol" charset="2"/>
+              <a:buChar char=""/>
             </a:pPr>
             <a:r>
-              <a:rPr b="0" lang="en-CA" sz="1200" spc="-1" strike="noStrike">
-                <a:solidFill>
-                  <a:srgbClr val="787878"/>
-                </a:solidFill>
-                <a:latin typeface="Amasis MT Pro Medium"/>
+              <a:rPr b="0" lang="en-CA" sz="1800" spc="-1" strike="noStrike">
+                <a:latin typeface="Arial"/>
               </a:rPr>
-              <a:t>2025-02-21</a:t>
+              <a:t>Second Outline Level</a:t>
             </a:r>
-            <a:endParaRPr b="0" lang="en-CA" sz="1200" spc="-1" strike="noStrike">
-              <a:latin typeface="Times New Roman"/>
+            <a:endParaRPr b="0" lang="en-CA" sz="1800" spc="-1" strike="noStrike">
+              <a:latin typeface="Arial"/>
+            </a:endParaRPr>
+          </a:p>
+          <a:p>
+            <a:pPr lvl="2" marL="1296000" indent="-288000">
+              <a:spcBef>
+                <a:spcPts val="850"/>
+              </a:spcBef>
+              <a:buClr>
+                <a:srgbClr val="000000"/>
+              </a:buClr>
+              <a:buSzPct val="45000"/>
+              <a:buFont typeface="Wingdings" charset="2"/>
+              <a:buChar char=""/>
+            </a:pPr>
+            <a:r>
+              <a:rPr b="0" lang="en-CA" sz="1800" spc="-1" strike="noStrike">
+                <a:latin typeface="Arial"/>
+              </a:rPr>
+              <a:t>Third Outline Level</a:t>
+            </a:r>
+            <a:endParaRPr b="0" lang="en-CA" sz="1800" spc="-1" strike="noStrike">
+              <a:latin typeface="Arial"/>
+            </a:endParaRPr>
+          </a:p>
+          <a:p>
+            <a:pPr lvl="3" marL="1728000" indent="-216000">
+              <a:spcBef>
+                <a:spcPts val="567"/>
+              </a:spcBef>
+              <a:buClr>
+                <a:srgbClr val="000000"/>
+              </a:buClr>
+              <a:buSzPct val="75000"/>
+              <a:buFont typeface="Symbol" charset="2"/>
+              <a:buChar char=""/>
+            </a:pPr>
+            <a:r>
+              <a:rPr b="0" lang="en-CA" sz="1800" spc="-1" strike="noStrike">
+                <a:latin typeface="Arial"/>
+              </a:rPr>
+              <a:t>Fourth Outline Level</a:t>
+            </a:r>
+            <a:endParaRPr b="0" lang="en-CA" sz="1800" spc="-1" strike="noStrike">
+              <a:latin typeface="Arial"/>
+            </a:endParaRPr>
+          </a:p>
+          <a:p>
+            <a:pPr lvl="4" marL="2160000" indent="-216000">
+              <a:spcBef>
+                <a:spcPts val="283"/>
+              </a:spcBef>
+              <a:buClr>
+                <a:srgbClr val="000000"/>
+              </a:buClr>
+              <a:buSzPct val="45000"/>
+              <a:buFont typeface="Wingdings" charset="2"/>
+              <a:buChar char=""/>
+            </a:pPr>
+            <a:r>
+              <a:rPr b="0" lang="en-CA" sz="1800" spc="-1" strike="noStrike">
+                <a:latin typeface="Arial"/>
+              </a:rPr>
+              <a:t>Fifth Outline Level</a:t>
+            </a:r>
+            <a:endParaRPr b="0" lang="en-CA" sz="1800" spc="-1" strike="noStrike">
+              <a:latin typeface="Arial"/>
+            </a:endParaRPr>
+          </a:p>
+          <a:p>
+            <a:pPr lvl="5" marL="2592000" indent="-216000">
+              <a:spcBef>
+                <a:spcPts val="283"/>
+              </a:spcBef>
+              <a:buClr>
+                <a:srgbClr val="000000"/>
+              </a:buClr>
+              <a:buSzPct val="45000"/>
+              <a:buFont typeface="Wingdings" charset="2"/>
+              <a:buChar char=""/>
+            </a:pPr>
+            <a:r>
+              <a:rPr b="0" lang="en-CA" sz="1800" spc="-1" strike="noStrike">
+                <a:latin typeface="Arial"/>
+              </a:rPr>
+              <a:t>Sixth Outline Level</a:t>
+            </a:r>
+            <a:endParaRPr b="0" lang="en-CA" sz="1800" spc="-1" strike="noStrike">
+              <a:latin typeface="Arial"/>
+            </a:endParaRPr>
+          </a:p>
+          <a:p>
+            <a:pPr lvl="6" marL="3024000" indent="-216000">
+              <a:spcBef>
+                <a:spcPts val="283"/>
+              </a:spcBef>
+              <a:buClr>
+                <a:srgbClr val="000000"/>
+              </a:buClr>
+              <a:buSzPct val="45000"/>
+              <a:buFont typeface="Wingdings" charset="2"/>
+              <a:buChar char=""/>
+            </a:pPr>
+            <a:r>
+              <a:rPr b="0" lang="en-CA" sz="1800" spc="-1" strike="noStrike">
+                <a:latin typeface="Arial"/>
+              </a:rPr>
+              <a:t>Seventh Outline Level</a:t>
+            </a:r>
+            <a:endParaRPr b="0" lang="en-CA" sz="1800" spc="-1" strike="noStrike">
+              <a:latin typeface="Arial"/>
             </a:endParaRPr>
           </a:p>
         </p:txBody>
@@ -5249,24 +4781,24 @@
             <a:spLocks noGrp="1"/>
           </p:cNvSpPr>
           <p:nvPr>
-            <p:ph type="ftr" idx="2"/>
+            <p:ph type="ftr" idx="1"/>
           </p:nvPr>
         </p:nvSpPr>
         <p:spPr>
           <a:xfrm>
             <a:off x="4038480" y="6356520"/>
-            <a:ext cx="4114440" cy="364680"/>
-          </a:xfrm>
-          <a:prstGeom prst="rect">
-            <a:avLst/>
-          </a:prstGeom>
-          <a:noFill/>
-          <a:ln w="0">
-            <a:noFill/>
-          </a:ln>
-        </p:spPr>
-        <p:txBody>
-          <a:bodyPr anchor="ctr">
+            <a:ext cx="4113720" cy="363960"/>
+          </a:xfrm>
+          <a:prstGeom prst="rect">
+            <a:avLst/>
+          </a:prstGeom>
+          <a:noFill/>
+          <a:ln w="0">
+            <a:noFill/>
+          </a:ln>
+        </p:spPr>
+        <p:txBody>
+          <a:bodyPr lIns="90000" rIns="90000" tIns="45000" bIns="45000" anchor="ctr">
             <a:noAutofit/>
           </a:bodyPr>
           <a:lstStyle>
@@ -5297,7 +4829,7 @@
                 </a:solidFill>
                 <a:latin typeface="Amasis MT Pro Medium"/>
               </a:rPr>
-              <a:t>C3I - Pascal-Emmanuel Lachance</a:t>
+              <a:t>&lt;footer&gt;</a:t>
             </a:r>
             <a:endParaRPr b="0" lang="en-CA" sz="1200" spc="-1" strike="noStrike">
               <a:latin typeface="Times New Roman"/>
@@ -5312,24 +4844,24 @@
             <a:spLocks noGrp="1"/>
           </p:cNvSpPr>
           <p:nvPr>
-            <p:ph type="sldNum" idx="3"/>
+            <p:ph type="sldNum" idx="2"/>
           </p:nvPr>
         </p:nvSpPr>
         <p:spPr>
           <a:xfrm>
             <a:off x="8610480" y="6356520"/>
-            <a:ext cx="2742840" cy="364680"/>
-          </a:xfrm>
-          <a:prstGeom prst="rect">
-            <a:avLst/>
-          </a:prstGeom>
-          <a:noFill/>
-          <a:ln w="0">
-            <a:noFill/>
-          </a:ln>
-        </p:spPr>
-        <p:txBody>
-          <a:bodyPr anchor="ctr">
+            <a:ext cx="2742120" cy="363960"/>
+          </a:xfrm>
+          <a:prstGeom prst="rect">
+            <a:avLst/>
+          </a:prstGeom>
+          <a:noFill/>
+          <a:ln w="0">
+            <a:noFill/>
+          </a:ln>
+        </p:spPr>
+        <p:txBody>
+          <a:bodyPr lIns="90000" rIns="90000" tIns="45000" bIns="45000" anchor="ctr">
             <a:noAutofit/>
           </a:bodyPr>
           <a:lstStyle>
@@ -5353,14 +4885,14 @@
               </a:lnSpc>
               <a:buNone/>
             </a:pPr>
-            <a:fld id="{7AB7D4B3-6F5C-4F01-B467-E2CF8217473A}" type="slidenum">
+            <a:fld id="{ABB8A9DC-D718-4624-B632-60B9E79DAE6A}" type="slidenum">
               <a:rPr b="0" lang="en-US" sz="1200" spc="-1" strike="noStrike">
                 <a:solidFill>
                   <a:srgbClr val="787878"/>
                 </a:solidFill>
                 <a:latin typeface="Amasis MT Pro Medium"/>
               </a:rPr>
-              <a:t>2</a:t>
+              <a:t>&lt;number&gt;</a:t>
             </a:fld>
             <a:endParaRPr b="0" lang="en-CA" sz="1200" spc="-1" strike="noStrike">
               <a:latin typeface="Times New Roman"/>
@@ -5375,241 +4907,42 @@
             <a:spLocks noGrp="1"/>
           </p:cNvSpPr>
           <p:nvPr>
-            <p:ph type="body"/>
-          </p:nvPr>
-        </p:nvSpPr>
-        <p:spPr>
-          <a:xfrm>
-            <a:off x="609480" y="1604520"/>
-            <a:ext cx="10972440" cy="3977280"/>
-          </a:xfrm>
-          <a:prstGeom prst="rect">
-            <a:avLst/>
-          </a:prstGeom>
-          <a:noFill/>
-          <a:ln w="0">
-            <a:noFill/>
-          </a:ln>
-        </p:spPr>
-        <p:txBody>
-          <a:bodyPr lIns="0" rIns="0" tIns="0" bIns="0" anchor="t">
-            <a:normAutofit/>
-          </a:bodyPr>
-          <a:p>
-            <a:pPr marL="432000" indent="-324000">
-              <a:lnSpc>
-                <a:spcPct val="90000"/>
-              </a:lnSpc>
-              <a:spcBef>
-                <a:spcPts val="1417"/>
-              </a:spcBef>
-              <a:buClr>
-                <a:srgbClr val="000000"/>
-              </a:buClr>
-              <a:buSzPct val="45000"/>
-              <a:buFont typeface="Wingdings" charset="2"/>
-              <a:buChar char=""/>
-            </a:pPr>
+            <p:ph type="dt" idx="3"/>
+          </p:nvPr>
+        </p:nvSpPr>
+        <p:spPr>
+          <a:xfrm>
+            <a:off x="838080" y="6356520"/>
+            <a:ext cx="2742120" cy="363960"/>
+          </a:xfrm>
+          <a:prstGeom prst="rect">
+            <a:avLst/>
+          </a:prstGeom>
+          <a:noFill/>
+          <a:ln w="0">
+            <a:noFill/>
+          </a:ln>
+        </p:spPr>
+        <p:txBody>
+          <a:bodyPr lIns="90000" rIns="90000" tIns="45000" bIns="45000" anchor="ctr">
+            <a:noAutofit/>
+          </a:bodyPr>
+          <a:lstStyle>
+            <a:lvl1pPr>
+              <a:defRPr b="0" lang="en-CA" sz="1400" spc="-1" strike="noStrike">
+                <a:latin typeface="Times New Roman"/>
+              </a:defRPr>
+            </a:lvl1pPr>
+          </a:lstStyle>
+          <a:p>
             <a:r>
-              <a:rPr b="0" lang="en-US" sz="2800" spc="-1" strike="noStrike">
-                <a:solidFill>
-                  <a:srgbClr val="000000"/>
-                </a:solidFill>
-                <a:latin typeface="Amasis MT Pro Medium"/>
+              <a:rPr b="0" lang="en-CA" sz="1400" spc="-1" strike="noStrike">
+                <a:latin typeface="Times New Roman"/>
               </a:rPr>
-              <a:t>Click to edit the outline text format</a:t>
+              <a:t>&lt;date/time&gt;</a:t>
             </a:r>
-            <a:endParaRPr b="0" lang="en-US" sz="2800" spc="-1" strike="noStrike">
-              <a:solidFill>
-                <a:srgbClr val="000000"/>
-              </a:solidFill>
-              <a:latin typeface="Amasis MT Pro Medium"/>
-            </a:endParaRPr>
-          </a:p>
-          <a:p>
-            <a:pPr lvl="1" marL="864000" indent="-324000">
-              <a:lnSpc>
-                <a:spcPct val="90000"/>
-              </a:lnSpc>
-              <a:spcBef>
-                <a:spcPts val="1134"/>
-              </a:spcBef>
-              <a:buClr>
-                <a:srgbClr val="000000"/>
-              </a:buClr>
-              <a:buSzPct val="75000"/>
-              <a:buFont typeface="Symbol" charset="2"/>
-              <a:buChar char=""/>
-            </a:pPr>
-            <a:r>
-              <a:rPr b="0" lang="en-US" sz="2000" spc="-1" strike="noStrike">
-                <a:solidFill>
-                  <a:srgbClr val="000000"/>
-                </a:solidFill>
-                <a:latin typeface="Amasis MT Pro Medium"/>
-              </a:rPr>
-              <a:t>Second Outline Level</a:t>
-            </a:r>
-            <a:endParaRPr b="0" lang="en-US" sz="2000" spc="-1" strike="noStrike">
-              <a:solidFill>
-                <a:srgbClr val="000000"/>
-              </a:solidFill>
-              <a:latin typeface="Amasis MT Pro Medium"/>
-            </a:endParaRPr>
-          </a:p>
-          <a:p>
-            <a:pPr lvl="2" marL="1296000" indent="-288000">
-              <a:lnSpc>
-                <a:spcPct val="90000"/>
-              </a:lnSpc>
-              <a:spcBef>
-                <a:spcPts val="850"/>
-              </a:spcBef>
-              <a:buClr>
-                <a:srgbClr val="000000"/>
-              </a:buClr>
-              <a:buSzPct val="45000"/>
-              <a:buFont typeface="Wingdings" charset="2"/>
-              <a:buChar char=""/>
-            </a:pPr>
-            <a:r>
-              <a:rPr b="0" lang="en-US" sz="1800" spc="-1" strike="noStrike">
-                <a:solidFill>
-                  <a:srgbClr val="000000"/>
-                </a:solidFill>
-                <a:latin typeface="Amasis MT Pro Medium"/>
-              </a:rPr>
-              <a:t>Third Outline Level</a:t>
-            </a:r>
-            <a:endParaRPr b="0" lang="en-US" sz="1800" spc="-1" strike="noStrike">
-              <a:solidFill>
-                <a:srgbClr val="000000"/>
-              </a:solidFill>
-              <a:latin typeface="Amasis MT Pro Medium"/>
-            </a:endParaRPr>
-          </a:p>
-          <a:p>
-            <a:pPr lvl="3" marL="1728000" indent="-216000">
-              <a:lnSpc>
-                <a:spcPct val="90000"/>
-              </a:lnSpc>
-              <a:spcBef>
-                <a:spcPts val="567"/>
-              </a:spcBef>
-              <a:buClr>
-                <a:srgbClr val="000000"/>
-              </a:buClr>
-              <a:buSzPct val="75000"/>
-              <a:buFont typeface="Symbol" charset="2"/>
-              <a:buChar char=""/>
-            </a:pPr>
-            <a:r>
-              <a:rPr b="0" lang="en-US" sz="1800" spc="-1" strike="noStrike">
-                <a:solidFill>
-                  <a:srgbClr val="000000"/>
-                </a:solidFill>
-                <a:latin typeface="Amasis MT Pro Medium"/>
-              </a:rPr>
-              <a:t>Fourth Outline Level</a:t>
-            </a:r>
-            <a:endParaRPr b="0" lang="en-US" sz="1800" spc="-1" strike="noStrike">
-              <a:solidFill>
-                <a:srgbClr val="000000"/>
-              </a:solidFill>
-              <a:latin typeface="Amasis MT Pro Medium"/>
-            </a:endParaRPr>
-          </a:p>
-          <a:p>
-            <a:pPr lvl="4" marL="2160000" indent="-216000">
-              <a:lnSpc>
-                <a:spcPct val="90000"/>
-              </a:lnSpc>
-              <a:spcBef>
-                <a:spcPts val="283"/>
-              </a:spcBef>
-              <a:buClr>
-                <a:srgbClr val="000000"/>
-              </a:buClr>
-              <a:buSzPct val="45000"/>
-              <a:buFont typeface="Wingdings" charset="2"/>
-              <a:buChar char=""/>
-            </a:pPr>
-            <a:r>
-              <a:rPr b="0" lang="en-US" sz="2000" spc="-1" strike="noStrike">
-                <a:solidFill>
-                  <a:srgbClr val="000000"/>
-                </a:solidFill>
-                <a:latin typeface="Amasis MT Pro Medium"/>
-              </a:rPr>
-              <a:t>Fifth Outline Level</a:t>
-            </a:r>
-            <a:endParaRPr b="0" lang="en-US" sz="2000" spc="-1" strike="noStrike">
-              <a:solidFill>
-                <a:srgbClr val="000000"/>
-              </a:solidFill>
-              <a:latin typeface="Amasis MT Pro Medium"/>
-            </a:endParaRPr>
-          </a:p>
-          <a:p>
-            <a:pPr lvl="5" marL="2592000" indent="-216000">
-              <a:lnSpc>
-                <a:spcPct val="90000"/>
-              </a:lnSpc>
-              <a:spcBef>
-                <a:spcPts val="283"/>
-              </a:spcBef>
-              <a:buClr>
-                <a:srgbClr val="000000"/>
-              </a:buClr>
-              <a:buSzPct val="45000"/>
-              <a:buFont typeface="Wingdings" charset="2"/>
-              <a:buChar char=""/>
-            </a:pPr>
-            <a:r>
-              <a:rPr b="0" lang="en-US" sz="2000" spc="-1" strike="noStrike">
-                <a:solidFill>
-                  <a:srgbClr val="000000"/>
-                </a:solidFill>
-                <a:latin typeface="Amasis MT Pro Medium"/>
-              </a:rPr>
-              <a:t>Sixth Outline Level</a:t>
-            </a:r>
-            <a:endParaRPr b="0" lang="en-US" sz="2000" spc="-1" strike="noStrike">
-              <a:solidFill>
-                <a:srgbClr val="000000"/>
-              </a:solidFill>
-              <a:latin typeface="Amasis MT Pro Medium"/>
-            </a:endParaRPr>
-          </a:p>
-          <a:p>
-            <a:pPr lvl="6" marL="3024000" indent="-216000">
-              <a:lnSpc>
-                <a:spcPct val="90000"/>
-              </a:lnSpc>
-              <a:spcBef>
-                <a:spcPts val="283"/>
-              </a:spcBef>
-              <a:buClr>
-                <a:srgbClr val="000000"/>
-              </a:buClr>
-              <a:buSzPct val="45000"/>
-              <a:buFont typeface="Wingdings" charset="2"/>
-              <a:buChar char=""/>
-            </a:pPr>
-            <a:r>
-              <a:rPr b="0" lang="en-US" sz="2000" spc="-1" strike="noStrike">
-                <a:solidFill>
-                  <a:srgbClr val="000000"/>
-                </a:solidFill>
-                <a:latin typeface="Amasis MT Pro Medium"/>
-              </a:rPr>
-              <a:t>Seventh Outline Level</a:t>
-            </a:r>
-            <a:endParaRPr b="0" lang="en-US" sz="2000" spc="-1" strike="noStrike">
-              <a:solidFill>
-                <a:srgbClr val="000000"/>
-              </a:solidFill>
-              <a:latin typeface="Amasis MT Pro Medium"/>
+            <a:endParaRPr b="0" lang="en-CA" sz="1400" spc="-1" strike="noStrike">
+              <a:latin typeface="Times New Roman"/>
             </a:endParaRPr>
           </a:p>
         </p:txBody>
@@ -5665,318 +4998,24 @@
             <a:spLocks noGrp="1"/>
           </p:cNvSpPr>
           <p:nvPr>
-            <p:ph type="title"/>
-          </p:nvPr>
-        </p:nvSpPr>
-        <p:spPr>
-          <a:xfrm>
-            <a:off x="838080" y="365040"/>
-            <a:ext cx="10515240" cy="1325160"/>
-          </a:xfrm>
-          <a:prstGeom prst="rect">
-            <a:avLst/>
-          </a:prstGeom>
-          <a:noFill/>
-          <a:ln w="0">
-            <a:noFill/>
-          </a:ln>
-        </p:spPr>
-        <p:txBody>
-          <a:bodyPr anchor="ctr">
-            <a:noAutofit/>
-          </a:bodyPr>
-          <a:p>
-            <a:pPr>
-              <a:lnSpc>
-                <a:spcPct val="90000"/>
-              </a:lnSpc>
-              <a:buNone/>
-            </a:pPr>
-            <a:r>
-              <a:rPr b="0" lang="en-US" sz="4400" spc="-1" strike="noStrike">
-                <a:solidFill>
-                  <a:srgbClr val="000000"/>
-                </a:solidFill>
-                <a:latin typeface="Amasis MT Pro Black"/>
-              </a:rPr>
-              <a:t>Click to edit Master title style</a:t>
-            </a:r>
-            <a:endParaRPr b="0" lang="en-US" sz="4400" spc="-1" strike="noStrike">
-              <a:solidFill>
-                <a:srgbClr val="000000"/>
-              </a:solidFill>
-              <a:latin typeface="Amasis MT Pro Medium"/>
-            </a:endParaRPr>
-          </a:p>
-        </p:txBody>
-      </p:sp>
-      <p:sp>
-        <p:nvSpPr>
-          <p:cNvPr id="42" name="PlaceHolder 2"/>
-          <p:cNvSpPr>
-            <a:spLocks noGrp="1"/>
-          </p:cNvSpPr>
-          <p:nvPr>
-            <p:ph type="body"/>
-          </p:nvPr>
-        </p:nvSpPr>
-        <p:spPr>
-          <a:xfrm>
-            <a:off x="838080" y="1825560"/>
-            <a:ext cx="10515240" cy="4350960"/>
-          </a:xfrm>
-          <a:prstGeom prst="rect">
-            <a:avLst/>
-          </a:prstGeom>
-          <a:noFill/>
-          <a:ln w="0">
-            <a:noFill/>
-          </a:ln>
-        </p:spPr>
-        <p:txBody>
-          <a:bodyPr anchor="t">
-            <a:noAutofit/>
-          </a:bodyPr>
-          <a:p>
-            <a:pPr marL="228600" indent="-228600">
-              <a:lnSpc>
-                <a:spcPct val="90000"/>
-              </a:lnSpc>
-              <a:spcBef>
-                <a:spcPts val="1001"/>
-              </a:spcBef>
-              <a:buClr>
-                <a:srgbClr val="000000"/>
-              </a:buClr>
-              <a:buFont typeface="Arial"/>
-              <a:buChar char="•"/>
-            </a:pPr>
-            <a:r>
-              <a:rPr b="0" lang="en-US" sz="2800" spc="-1" strike="noStrike">
-                <a:solidFill>
-                  <a:srgbClr val="000000"/>
-                </a:solidFill>
-                <a:latin typeface="Amasis MT Pro Medium"/>
-              </a:rPr>
-              <a:t>Click to edit Master text styles</a:t>
-            </a:r>
-            <a:endParaRPr b="0" lang="en-US" sz="2800" spc="-1" strike="noStrike">
-              <a:solidFill>
-                <a:srgbClr val="000000"/>
-              </a:solidFill>
-              <a:latin typeface="Amasis MT Pro Medium"/>
-            </a:endParaRPr>
-          </a:p>
-          <a:p>
-            <a:pPr lvl="1" marL="685800" indent="-228600">
-              <a:lnSpc>
-                <a:spcPct val="90000"/>
-              </a:lnSpc>
-              <a:spcBef>
-                <a:spcPts val="499"/>
-              </a:spcBef>
-              <a:buClr>
-                <a:srgbClr val="000000"/>
-              </a:buClr>
-              <a:buFont typeface="Arial"/>
-              <a:buChar char="•"/>
-            </a:pPr>
-            <a:r>
-              <a:rPr b="0" lang="en-US" sz="2400" spc="-1" strike="noStrike">
-                <a:solidFill>
-                  <a:srgbClr val="000000"/>
-                </a:solidFill>
-                <a:latin typeface="Amasis MT Pro Medium"/>
-              </a:rPr>
-              <a:t>Second level</a:t>
-            </a:r>
-            <a:endParaRPr b="0" lang="en-US" sz="2400" spc="-1" strike="noStrike">
-              <a:solidFill>
-                <a:srgbClr val="000000"/>
-              </a:solidFill>
-              <a:latin typeface="Amasis MT Pro Medium"/>
-            </a:endParaRPr>
-          </a:p>
-          <a:p>
-            <a:pPr lvl="2" marL="1143000" indent="-228600">
-              <a:lnSpc>
-                <a:spcPct val="90000"/>
-              </a:lnSpc>
-              <a:spcBef>
-                <a:spcPts val="499"/>
-              </a:spcBef>
-              <a:buClr>
-                <a:srgbClr val="000000"/>
-              </a:buClr>
-              <a:buFont typeface="Arial"/>
-              <a:buChar char="•"/>
-            </a:pPr>
-            <a:r>
-              <a:rPr b="0" lang="en-US" sz="2000" spc="-1" strike="noStrike">
-                <a:solidFill>
-                  <a:srgbClr val="000000"/>
-                </a:solidFill>
-                <a:latin typeface="Amasis MT Pro Medium"/>
-              </a:rPr>
-              <a:t>Third level</a:t>
-            </a:r>
-            <a:endParaRPr b="0" lang="en-US" sz="2000" spc="-1" strike="noStrike">
-              <a:solidFill>
-                <a:srgbClr val="000000"/>
-              </a:solidFill>
-              <a:latin typeface="Amasis MT Pro Medium"/>
-            </a:endParaRPr>
-          </a:p>
-          <a:p>
-            <a:pPr lvl="3" marL="1600200" indent="-228600">
-              <a:lnSpc>
-                <a:spcPct val="90000"/>
-              </a:lnSpc>
-              <a:spcBef>
-                <a:spcPts val="499"/>
-              </a:spcBef>
-              <a:buClr>
-                <a:srgbClr val="000000"/>
-              </a:buClr>
-              <a:buFont typeface="Arial"/>
-              <a:buChar char="•"/>
-            </a:pPr>
-            <a:r>
-              <a:rPr b="0" lang="en-US" sz="1800" spc="-1" strike="noStrike">
-                <a:solidFill>
-                  <a:srgbClr val="000000"/>
-                </a:solidFill>
-                <a:latin typeface="Amasis MT Pro Medium"/>
-              </a:rPr>
-              <a:t>Fourth level</a:t>
-            </a:r>
-            <a:endParaRPr b="0" lang="en-US" sz="1800" spc="-1" strike="noStrike">
-              <a:solidFill>
-                <a:srgbClr val="000000"/>
-              </a:solidFill>
-              <a:latin typeface="Amasis MT Pro Medium"/>
-            </a:endParaRPr>
-          </a:p>
-          <a:p>
-            <a:pPr lvl="4" marL="2057400" indent="-228600">
-              <a:lnSpc>
-                <a:spcPct val="90000"/>
-              </a:lnSpc>
-              <a:spcBef>
-                <a:spcPts val="499"/>
-              </a:spcBef>
-              <a:buClr>
-                <a:srgbClr val="000000"/>
-              </a:buClr>
-              <a:buFont typeface="Arial"/>
-              <a:buChar char="•"/>
-            </a:pPr>
-            <a:r>
-              <a:rPr b="0" lang="en-US" sz="1800" spc="-1" strike="noStrike">
-                <a:solidFill>
-                  <a:srgbClr val="000000"/>
-                </a:solidFill>
-                <a:latin typeface="Amasis MT Pro Medium"/>
-              </a:rPr>
-              <a:t>Fifth level</a:t>
-            </a:r>
-            <a:endParaRPr b="0" lang="en-US" sz="1800" spc="-1" strike="noStrike">
-              <a:solidFill>
-                <a:srgbClr val="000000"/>
-              </a:solidFill>
-              <a:latin typeface="Amasis MT Pro Medium"/>
-            </a:endParaRPr>
-          </a:p>
-        </p:txBody>
-      </p:sp>
-      <p:sp>
-        <p:nvSpPr>
-          <p:cNvPr id="43" name="PlaceHolder 3"/>
-          <p:cNvSpPr>
-            <a:spLocks noGrp="1"/>
-          </p:cNvSpPr>
-          <p:nvPr>
-            <p:ph type="dt" idx="4"/>
-          </p:nvPr>
-        </p:nvSpPr>
-        <p:spPr>
-          <a:xfrm>
-            <a:off x="838080" y="6356520"/>
-            <a:ext cx="2742840" cy="364680"/>
-          </a:xfrm>
-          <a:prstGeom prst="rect">
-            <a:avLst/>
-          </a:prstGeom>
-          <a:noFill/>
-          <a:ln w="0">
-            <a:noFill/>
-          </a:ln>
-        </p:spPr>
-        <p:txBody>
-          <a:bodyPr anchor="ctr">
-            <a:noAutofit/>
-          </a:bodyPr>
-          <a:lstStyle>
-            <a:lvl1pPr>
-              <a:lnSpc>
-                <a:spcPct val="100000"/>
-              </a:lnSpc>
-              <a:buNone/>
-              <a:defRPr b="0" lang="en-CA" sz="1200" spc="-1" strike="noStrike">
-                <a:solidFill>
-                  <a:srgbClr val="787878"/>
-                </a:solidFill>
-                <a:latin typeface="Amasis MT Pro Medium"/>
-              </a:defRPr>
-            </a:lvl1pPr>
-          </a:lstStyle>
-          <a:p>
-            <a:pPr>
-              <a:lnSpc>
-                <a:spcPct val="100000"/>
-              </a:lnSpc>
-              <a:buNone/>
-            </a:pPr>
-            <a:r>
-              <a:rPr b="0" lang="en-CA" sz="1200" spc="-1" strike="noStrike">
-                <a:solidFill>
-                  <a:srgbClr val="787878"/>
-                </a:solidFill>
-                <a:latin typeface="Amasis MT Pro Medium"/>
-              </a:rPr>
-              <a:t>&lt;date/time&gt;</a:t>
-            </a:r>
-            <a:endParaRPr b="0" lang="en-CA" sz="1200" spc="-1" strike="noStrike">
-              <a:latin typeface="Times New Roman"/>
-            </a:endParaRPr>
-          </a:p>
-        </p:txBody>
-      </p:sp>
-      <p:sp>
-        <p:nvSpPr>
-          <p:cNvPr id="44" name="PlaceHolder 4"/>
-          <p:cNvSpPr>
-            <a:spLocks noGrp="1"/>
-          </p:cNvSpPr>
-          <p:nvPr>
-            <p:ph type="ftr" idx="5"/>
+            <p:ph type="ftr" idx="4"/>
           </p:nvPr>
         </p:nvSpPr>
         <p:spPr>
           <a:xfrm>
             <a:off x="4038480" y="6356520"/>
-            <a:ext cx="4114440" cy="364680"/>
-          </a:xfrm>
-          <a:prstGeom prst="rect">
-            <a:avLst/>
-          </a:prstGeom>
-          <a:noFill/>
-          <a:ln w="0">
-            <a:noFill/>
-          </a:ln>
-        </p:spPr>
-        <p:txBody>
-          <a:bodyPr anchor="ctr">
+            <a:ext cx="4113720" cy="363960"/>
+          </a:xfrm>
+          <a:prstGeom prst="rect">
+            <a:avLst/>
+          </a:prstGeom>
+          <a:noFill/>
+          <a:ln w="0">
+            <a:noFill/>
+          </a:ln>
+        </p:spPr>
+        <p:txBody>
+          <a:bodyPr lIns="90000" rIns="90000" tIns="45000" bIns="45000" anchor="ctr">
             <a:noAutofit/>
           </a:bodyPr>
           <a:lstStyle>
@@ -6017,29 +5056,29 @@
       </p:sp>
       <p:sp>
         <p:nvSpPr>
-          <p:cNvPr id="45" name="PlaceHolder 5"/>
-          <p:cNvSpPr>
-            <a:spLocks noGrp="1"/>
-          </p:cNvSpPr>
-          <p:nvPr>
-            <p:ph type="sldNum" idx="6"/>
+          <p:cNvPr id="42" name="PlaceHolder 2"/>
+          <p:cNvSpPr>
+            <a:spLocks noGrp="1"/>
+          </p:cNvSpPr>
+          <p:nvPr>
+            <p:ph type="sldNum" idx="5"/>
           </p:nvPr>
         </p:nvSpPr>
         <p:spPr>
           <a:xfrm>
             <a:off x="8610480" y="6356520"/>
-            <a:ext cx="2742840" cy="364680"/>
-          </a:xfrm>
-          <a:prstGeom prst="rect">
-            <a:avLst/>
-          </a:prstGeom>
-          <a:noFill/>
-          <a:ln w="0">
-            <a:noFill/>
-          </a:ln>
-        </p:spPr>
-        <p:txBody>
-          <a:bodyPr anchor="ctr">
+            <a:ext cx="2742120" cy="363960"/>
+          </a:xfrm>
+          <a:prstGeom prst="rect">
+            <a:avLst/>
+          </a:prstGeom>
+          <a:noFill/>
+          <a:ln w="0">
+            <a:noFill/>
+          </a:ln>
+        </p:spPr>
+        <p:txBody>
+          <a:bodyPr lIns="90000" rIns="90000" tIns="45000" bIns="45000" anchor="ctr">
             <a:noAutofit/>
           </a:bodyPr>
           <a:lstStyle>
@@ -6063,7 +5102,7 @@
               </a:lnSpc>
               <a:buNone/>
             </a:pPr>
-            <a:fld id="{1C5F380D-0E05-40E8-8854-5BB3FADAF656}" type="slidenum">
+            <a:fld id="{5989441C-6768-486B-9D57-33A32AEAD727}" type="slidenum">
               <a:rPr b="0" lang="en-US" sz="1200" spc="-1" strike="noStrike">
                 <a:solidFill>
                   <a:srgbClr val="787878"/>
@@ -6074,6 +5113,279 @@
             </a:fld>
             <a:endParaRPr b="0" lang="en-CA" sz="1200" spc="-1" strike="noStrike">
               <a:latin typeface="Times New Roman"/>
+            </a:endParaRPr>
+          </a:p>
+        </p:txBody>
+      </p:sp>
+      <p:sp>
+        <p:nvSpPr>
+          <p:cNvPr id="43" name="PlaceHolder 3"/>
+          <p:cNvSpPr>
+            <a:spLocks noGrp="1"/>
+          </p:cNvSpPr>
+          <p:nvPr>
+            <p:ph type="dt" idx="6"/>
+          </p:nvPr>
+        </p:nvSpPr>
+        <p:spPr>
+          <a:xfrm>
+            <a:off x="838080" y="6356520"/>
+            <a:ext cx="2742120" cy="363960"/>
+          </a:xfrm>
+          <a:prstGeom prst="rect">
+            <a:avLst/>
+          </a:prstGeom>
+          <a:noFill/>
+          <a:ln w="0">
+            <a:noFill/>
+          </a:ln>
+        </p:spPr>
+        <p:txBody>
+          <a:bodyPr lIns="90000" rIns="90000" tIns="45000" bIns="45000" anchor="ctr">
+            <a:noAutofit/>
+          </a:bodyPr>
+          <a:lstStyle>
+            <a:lvl1pPr>
+              <a:defRPr b="0" lang="en-CA" sz="1400" spc="-1" strike="noStrike">
+                <a:latin typeface="Times New Roman"/>
+              </a:defRPr>
+            </a:lvl1pPr>
+          </a:lstStyle>
+          <a:p>
+            <a:r>
+              <a:rPr b="0" lang="en-CA" sz="1400" spc="-1" strike="noStrike">
+                <a:latin typeface="Times New Roman"/>
+              </a:rPr>
+              <a:t>&lt;date/time&gt;</a:t>
+            </a:r>
+            <a:endParaRPr b="0" lang="en-CA" sz="1400" spc="-1" strike="noStrike">
+              <a:latin typeface="Times New Roman"/>
+            </a:endParaRPr>
+          </a:p>
+        </p:txBody>
+      </p:sp>
+      <p:sp>
+        <p:nvSpPr>
+          <p:cNvPr id="44" name="PlaceHolder 4"/>
+          <p:cNvSpPr>
+            <a:spLocks noGrp="1"/>
+          </p:cNvSpPr>
+          <p:nvPr>
+            <p:ph type="title"/>
+          </p:nvPr>
+        </p:nvSpPr>
+        <p:spPr>
+          <a:xfrm>
+            <a:off x="609480" y="273600"/>
+            <a:ext cx="10972440" cy="1144800"/>
+          </a:xfrm>
+          <a:prstGeom prst="rect">
+            <a:avLst/>
+          </a:prstGeom>
+          <a:noFill/>
+          <a:ln w="0">
+            <a:noFill/>
+          </a:ln>
+        </p:spPr>
+        <p:txBody>
+          <a:bodyPr lIns="0" rIns="0" tIns="0" bIns="0" anchor="ctr">
+            <a:noAutofit/>
+          </a:bodyPr>
+          <a:p>
+            <a:pPr algn="ctr">
+              <a:buNone/>
+            </a:pPr>
+            <a:r>
+              <a:rPr b="0" lang="en-CA" sz="4400" spc="-1" strike="noStrike">
+                <a:latin typeface="Arial"/>
+              </a:rPr>
+              <a:t>Click to edit the title text format</a:t>
+            </a:r>
+            <a:endParaRPr b="0" lang="en-CA" sz="4400" spc="-1" strike="noStrike">
+              <a:latin typeface="Arial"/>
+            </a:endParaRPr>
+          </a:p>
+        </p:txBody>
+      </p:sp>
+      <p:sp>
+        <p:nvSpPr>
+          <p:cNvPr id="45" name="PlaceHolder 5"/>
+          <p:cNvSpPr>
+            <a:spLocks noGrp="1"/>
+          </p:cNvSpPr>
+          <p:nvPr>
+            <p:ph type="body"/>
+          </p:nvPr>
+        </p:nvSpPr>
+        <p:spPr>
+          <a:xfrm>
+            <a:off x="609480" y="1604520"/>
+            <a:ext cx="10972440" cy="3977280"/>
+          </a:xfrm>
+          <a:prstGeom prst="rect">
+            <a:avLst/>
+          </a:prstGeom>
+          <a:noFill/>
+          <a:ln w="0">
+            <a:noFill/>
+          </a:ln>
+        </p:spPr>
+        <p:txBody>
+          <a:bodyPr lIns="0" rIns="0" tIns="0" bIns="0" anchor="t">
+            <a:normAutofit/>
+          </a:bodyPr>
+          <a:p>
+            <a:pPr marL="432000" indent="-324000">
+              <a:spcBef>
+                <a:spcPts val="1417"/>
+              </a:spcBef>
+              <a:buClr>
+                <a:srgbClr val="000000"/>
+              </a:buClr>
+              <a:buSzPct val="45000"/>
+              <a:buFont typeface="Wingdings" charset="2"/>
+              <a:buChar char=""/>
+            </a:pPr>
+            <a:r>
+              <a:rPr b="0" lang="en-CA" sz="3200" spc="-1" strike="noStrike">
+                <a:latin typeface="Arial"/>
+              </a:rPr>
+              <a:t>Click to edit the outline text format</a:t>
+            </a:r>
+            <a:endParaRPr b="0" lang="en-CA" sz="3200" spc="-1" strike="noStrike">
+              <a:latin typeface="Arial"/>
+            </a:endParaRPr>
+          </a:p>
+          <a:p>
+            <a:pPr lvl="1" marL="864000" indent="-324000">
+              <a:spcBef>
+                <a:spcPts val="1134"/>
+              </a:spcBef>
+              <a:buClr>
+                <a:srgbClr val="000000"/>
+              </a:buClr>
+              <a:buSzPct val="75000"/>
+              <a:buFont typeface="Symbol" charset="2"/>
+              <a:buChar char=""/>
+            </a:pPr>
+            <a:r>
+              <a:rPr b="0" lang="en-CA" sz="2800" spc="-1" strike="noStrike">
+                <a:latin typeface="Arial"/>
+              </a:rPr>
+              <a:t>Second Outline Level</a:t>
+            </a:r>
+            <a:endParaRPr b="0" lang="en-CA" sz="2800" spc="-1" strike="noStrike">
+              <a:latin typeface="Arial"/>
+            </a:endParaRPr>
+          </a:p>
+          <a:p>
+            <a:pPr lvl="2" marL="1296000" indent="-288000">
+              <a:spcBef>
+                <a:spcPts val="850"/>
+              </a:spcBef>
+              <a:buClr>
+                <a:srgbClr val="000000"/>
+              </a:buClr>
+              <a:buSzPct val="45000"/>
+              <a:buFont typeface="Wingdings" charset="2"/>
+              <a:buChar char=""/>
+            </a:pPr>
+            <a:r>
+              <a:rPr b="0" lang="en-CA" sz="2400" spc="-1" strike="noStrike">
+                <a:latin typeface="Arial"/>
+              </a:rPr>
+              <a:t>Third Outline Level</a:t>
+            </a:r>
+            <a:endParaRPr b="0" lang="en-CA" sz="2400" spc="-1" strike="noStrike">
+              <a:latin typeface="Arial"/>
+            </a:endParaRPr>
+          </a:p>
+          <a:p>
+            <a:pPr lvl="3" marL="1728000" indent="-216000">
+              <a:spcBef>
+                <a:spcPts val="567"/>
+              </a:spcBef>
+              <a:buClr>
+                <a:srgbClr val="000000"/>
+              </a:buClr>
+              <a:buSzPct val="75000"/>
+              <a:buFont typeface="Symbol" charset="2"/>
+              <a:buChar char=""/>
+            </a:pPr>
+            <a:r>
+              <a:rPr b="0" lang="en-CA" sz="2000" spc="-1" strike="noStrike">
+                <a:latin typeface="Arial"/>
+              </a:rPr>
+              <a:t>Fourth Outline Level</a:t>
+            </a:r>
+            <a:endParaRPr b="0" lang="en-CA" sz="2000" spc="-1" strike="noStrike">
+              <a:latin typeface="Arial"/>
+            </a:endParaRPr>
+          </a:p>
+          <a:p>
+            <a:pPr lvl="4" marL="2160000" indent="-216000">
+              <a:spcBef>
+                <a:spcPts val="283"/>
+              </a:spcBef>
+              <a:buClr>
+                <a:srgbClr val="000000"/>
+              </a:buClr>
+              <a:buSzPct val="45000"/>
+              <a:buFont typeface="Wingdings" charset="2"/>
+              <a:buChar char=""/>
+            </a:pPr>
+            <a:r>
+              <a:rPr b="0" lang="en-CA" sz="2000" spc="-1" strike="noStrike">
+                <a:latin typeface="Arial"/>
+              </a:rPr>
+              <a:t>Fifth Outline Level</a:t>
+            </a:r>
+            <a:endParaRPr b="0" lang="en-CA" sz="2000" spc="-1" strike="noStrike">
+              <a:latin typeface="Arial"/>
+            </a:endParaRPr>
+          </a:p>
+          <a:p>
+            <a:pPr lvl="5" marL="2592000" indent="-216000">
+              <a:spcBef>
+                <a:spcPts val="283"/>
+              </a:spcBef>
+              <a:buClr>
+                <a:srgbClr val="000000"/>
+              </a:buClr>
+              <a:buSzPct val="45000"/>
+              <a:buFont typeface="Wingdings" charset="2"/>
+              <a:buChar char=""/>
+            </a:pPr>
+            <a:r>
+              <a:rPr b="0" lang="en-CA" sz="2000" spc="-1" strike="noStrike">
+                <a:latin typeface="Arial"/>
+              </a:rPr>
+              <a:t>Sixth Outline Level</a:t>
+            </a:r>
+            <a:endParaRPr b="0" lang="en-CA" sz="2000" spc="-1" strike="noStrike">
+              <a:latin typeface="Arial"/>
+            </a:endParaRPr>
+          </a:p>
+          <a:p>
+            <a:pPr lvl="6" marL="3024000" indent="-216000">
+              <a:spcBef>
+                <a:spcPts val="283"/>
+              </a:spcBef>
+              <a:buClr>
+                <a:srgbClr val="000000"/>
+              </a:buClr>
+              <a:buSzPct val="45000"/>
+              <a:buFont typeface="Wingdings" charset="2"/>
+              <a:buChar char=""/>
+            </a:pPr>
+            <a:r>
+              <a:rPr b="0" lang="en-CA" sz="2000" spc="-1" strike="noStrike">
+                <a:latin typeface="Arial"/>
+              </a:rPr>
+              <a:t>Seventh Outline Level</a:t>
+            </a:r>
+            <a:endParaRPr b="0" lang="en-CA" sz="2000" spc="-1" strike="noStrike">
+              <a:latin typeface="Arial"/>
             </a:endParaRPr>
           </a:p>
         </p:txBody>
@@ -6129,7 +5441,7 @@
         <p:spPr>
           <a:xfrm>
             <a:off x="5410080" y="0"/>
-            <a:ext cx="6781320" cy="6857640"/>
+            <a:ext cx="6780600" cy="6856920"/>
           </a:xfrm>
           <a:prstGeom prst="rect">
             <a:avLst/>
@@ -6148,9 +5460,9 @@
         <p:grpSpPr>
           <a:xfrm>
             <a:off x="0" y="0"/>
-            <a:ext cx="5409720" cy="6857640"/>
+            <a:ext cx="5409000" cy="6856920"/>
             <a:chOff x="0" y="0"/>
-            <a:chExt cx="5409720" cy="6857640"/>
+            <a:chExt cx="5409000" cy="6856920"/>
           </a:xfrm>
         </p:grpSpPr>
         <p:sp>
@@ -6162,7 +5474,7 @@
           <p:spPr>
             <a:xfrm>
               <a:off x="0" y="0"/>
-              <a:ext cx="5409720" cy="6857640"/>
+              <a:ext cx="5409000" cy="6856920"/>
             </a:xfrm>
             <a:prstGeom prst="rect">
               <a:avLst/>
@@ -6200,7 +5512,7 @@
           <p:spPr>
             <a:xfrm>
               <a:off x="786240" y="704160"/>
-              <a:ext cx="3849120" cy="5449320"/>
+              <a:ext cx="3848400" cy="5448600"/>
             </a:xfrm>
             <a:prstGeom prst="rect">
               <a:avLst/>
@@ -6237,7 +5549,7 @@
         <p:spPr>
           <a:xfrm>
             <a:off x="912960" y="954720"/>
-            <a:ext cx="3584160" cy="2028960"/>
+            <a:ext cx="3583440" cy="2028240"/>
           </a:xfrm>
           <a:prstGeom prst="rect">
             <a:avLst/>
@@ -6254,7 +5566,7 @@
           <a:fontRef idx="minor"/>
         </p:style>
         <p:txBody>
-          <a:bodyPr anchor="b">
+          <a:bodyPr lIns="90000" rIns="90000" tIns="45000" bIns="45000" anchor="b">
             <a:normAutofit/>
           </a:bodyPr>
           <a:p>
@@ -6270,6 +5582,7 @@
                   <a:srgbClr val="000000"/>
                 </a:solidFill>
                 <a:latin typeface="Amasis MT Pro Black"/>
+                <a:ea typeface="DejaVu Sans"/>
               </a:rPr>
               <a:t>Titre de la présentation</a:t>
             </a:r>
@@ -6288,7 +5601,7 @@
         <p:spPr>
           <a:xfrm>
             <a:off x="777240" y="4863960"/>
-            <a:ext cx="3849120" cy="815760"/>
+            <a:ext cx="3848400" cy="815040"/>
           </a:xfrm>
           <a:prstGeom prst="rect">
             <a:avLst/>
@@ -6305,7 +5618,7 @@
           <a:fontRef idx="minor"/>
         </p:style>
         <p:txBody>
-          <a:bodyPr anchor="t">
+          <a:bodyPr lIns="90000" rIns="90000" tIns="45000" bIns="45000" anchor="t">
             <a:normAutofit fontScale="67000"/>
           </a:bodyPr>
           <a:p>
@@ -6327,6 +5640,7 @@
                   <a:srgbClr val="000000"/>
                 </a:solidFill>
                 <a:latin typeface="Amasis MT Pro"/>
+                <a:ea typeface="DejaVu Sans"/>
               </a:rPr>
               <a:t>Présentation par :</a:t>
             </a:r>
@@ -6353,6 +5667,7 @@
                   <a:srgbClr val="000000"/>
                 </a:solidFill>
                 <a:latin typeface="Amasis MT Pro"/>
+                <a:ea typeface="DejaVu Sans"/>
               </a:rPr>
               <a:t>Pascal-Emmanuel Lachance</a:t>
             </a:r>
@@ -6379,6 +5694,7 @@
                   <a:srgbClr val="000000"/>
                 </a:solidFill>
                 <a:latin typeface="Amasis MT Pro"/>
+                <a:ea typeface="DejaVu Sans"/>
               </a:rPr>
               <a:t>Groupe technique C3I</a:t>
             </a:r>
@@ -6634,18 +5950,18 @@
         <p:spPr>
           <a:xfrm>
             <a:off x="357120" y="204840"/>
-            <a:ext cx="10515240" cy="877320"/>
-          </a:xfrm>
-          <a:prstGeom prst="rect">
-            <a:avLst/>
-          </a:prstGeom>
-          <a:noFill/>
-          <a:ln w="0">
-            <a:noFill/>
-          </a:ln>
-        </p:spPr>
-        <p:txBody>
-          <a:bodyPr anchor="ctr">
+            <a:ext cx="10514520" cy="876600"/>
+          </a:xfrm>
+          <a:prstGeom prst="rect">
+            <a:avLst/>
+          </a:prstGeom>
+          <a:noFill/>
+          <a:ln w="0">
+            <a:noFill/>
+          </a:ln>
+        </p:spPr>
+        <p:txBody>
+          <a:bodyPr lIns="90000" rIns="90000" tIns="45000" bIns="45000" anchor="ctr">
             <a:noAutofit/>
           </a:bodyPr>
           <a:p>
@@ -6664,11 +5980,8 @@
               </a:rPr>
               <a:t>Déroulement de la présentation</a:t>
             </a:r>
-            <a:endParaRPr b="0" lang="en-US" sz="4400" spc="-1" strike="noStrike">
-              <a:solidFill>
-                <a:srgbClr val="000000"/>
-              </a:solidFill>
-              <a:latin typeface="Amasis MT Pro Medium"/>
+            <a:endParaRPr b="0" lang="en-CA" sz="4400" spc="-1" strike="noStrike">
+              <a:latin typeface="Arial"/>
             </a:endParaRPr>
           </a:p>
         </p:txBody>
@@ -6682,9 +5995,9 @@
         <p:grpSpPr>
           <a:xfrm>
             <a:off x="2322360" y="1865880"/>
-            <a:ext cx="2042280" cy="1601280"/>
+            <a:ext cx="2041560" cy="1600560"/>
             <a:chOff x="2322360" y="1865880"/>
-            <a:chExt cx="2042280" cy="1601280"/>
+            <a:chExt cx="2041560" cy="1600560"/>
           </a:xfrm>
         </p:grpSpPr>
         <p:grpSp>
@@ -6696,9 +6009,9 @@
           <p:grpSpPr>
             <a:xfrm>
               <a:off x="2322360" y="1867320"/>
-              <a:ext cx="2042280" cy="1599840"/>
+              <a:ext cx="2041560" cy="1599120"/>
               <a:chOff x="2322360" y="1867320"/>
-              <a:chExt cx="2042280" cy="1599840"/>
+              <a:chExt cx="2041560" cy="1599120"/>
             </a:xfrm>
           </p:grpSpPr>
           <p:sp>
@@ -6710,7 +6023,7 @@
             <p:spPr>
               <a:xfrm>
                 <a:off x="2322360" y="1867320"/>
-                <a:ext cx="2042280" cy="1524600"/>
+                <a:ext cx="2041560" cy="1523880"/>
               </a:xfrm>
               <a:custGeom>
                 <a:avLst/>
@@ -6758,7 +6071,7 @@
             <p:spPr>
               <a:xfrm>
                 <a:off x="2322360" y="1867320"/>
-                <a:ext cx="1382040" cy="1599840"/>
+                <a:ext cx="1381320" cy="1599120"/>
               </a:xfrm>
               <a:prstGeom prst="rect">
                 <a:avLst/>
@@ -6785,7 +6098,7 @@
           <p:spPr>
             <a:xfrm>
               <a:off x="2322360" y="2496960"/>
-              <a:ext cx="2033280" cy="251640"/>
+              <a:ext cx="2032560" cy="250920"/>
             </a:xfrm>
             <a:prstGeom prst="rect">
               <a:avLst/>
@@ -6837,7 +6150,7 @@
           <p:spPr>
             <a:xfrm>
               <a:off x="2544120" y="1865880"/>
-              <a:ext cx="430920" cy="526320"/>
+              <a:ext cx="430200" cy="525600"/>
             </a:xfrm>
             <a:prstGeom prst="rect">
               <a:avLst/>
@@ -6872,6 +6185,7 @@
                     <a:srgbClr val="ffffff"/>
                   </a:solidFill>
                   <a:latin typeface="Amasis MT Pro Medium"/>
+                  <a:ea typeface="DejaVu Sans"/>
                 </a:rPr>
                 <a:t>1</a:t>
               </a:r>
@@ -6891,9 +6205,9 @@
         <p:grpSpPr>
           <a:xfrm>
             <a:off x="4779720" y="1865160"/>
-            <a:ext cx="2052000" cy="1600560"/>
+            <a:ext cx="2051280" cy="1599840"/>
             <a:chOff x="4779720" y="1865160"/>
-            <a:chExt cx="2052000" cy="1600560"/>
+            <a:chExt cx="2051280" cy="1599840"/>
           </a:xfrm>
         </p:grpSpPr>
         <p:grpSp>
@@ -6905,9 +6219,9 @@
           <p:grpSpPr>
             <a:xfrm>
               <a:off x="4789440" y="1865880"/>
-              <a:ext cx="2042280" cy="1599840"/>
+              <a:ext cx="2041560" cy="1599120"/>
               <a:chOff x="4789440" y="1865880"/>
-              <a:chExt cx="2042280" cy="1599840"/>
+              <a:chExt cx="2041560" cy="1599120"/>
             </a:xfrm>
           </p:grpSpPr>
           <p:sp>
@@ -6919,7 +6233,7 @@
             <p:spPr>
               <a:xfrm>
                 <a:off x="4789440" y="1865880"/>
-                <a:ext cx="2042280" cy="1524600"/>
+                <a:ext cx="2041560" cy="1523880"/>
               </a:xfrm>
               <a:custGeom>
                 <a:avLst/>
@@ -6967,7 +6281,7 @@
             <p:spPr>
               <a:xfrm>
                 <a:off x="4789440" y="1865880"/>
-                <a:ext cx="1382040" cy="1599840"/>
+                <a:ext cx="1381320" cy="1599120"/>
               </a:xfrm>
               <a:prstGeom prst="rect">
                 <a:avLst/>
@@ -6994,7 +6308,7 @@
           <p:spPr>
             <a:xfrm>
               <a:off x="4779720" y="2505240"/>
-              <a:ext cx="2042280" cy="251640"/>
+              <a:ext cx="2041560" cy="250920"/>
             </a:xfrm>
             <a:prstGeom prst="rect">
               <a:avLst/>
@@ -7046,7 +6360,7 @@
           <p:spPr>
             <a:xfrm>
               <a:off x="5011200" y="1865160"/>
-              <a:ext cx="430920" cy="526320"/>
+              <a:ext cx="430200" cy="525600"/>
             </a:xfrm>
             <a:prstGeom prst="rect">
               <a:avLst/>
@@ -7081,6 +6395,7 @@
                     <a:srgbClr val="ffffff"/>
                   </a:solidFill>
                   <a:latin typeface="Amasis MT Pro Medium"/>
+                  <a:ea typeface="DejaVu Sans"/>
                 </a:rPr>
                 <a:t>2</a:t>
               </a:r>
@@ -7100,9 +6415,9 @@
         <p:grpSpPr>
           <a:xfrm>
             <a:off x="7270200" y="3657240"/>
-            <a:ext cx="2049840" cy="1599840"/>
+            <a:ext cx="2049120" cy="1599120"/>
             <a:chOff x="7270200" y="3657240"/>
-            <a:chExt cx="2049840" cy="1599840"/>
+            <a:chExt cx="2049120" cy="1599120"/>
           </a:xfrm>
         </p:grpSpPr>
         <p:grpSp>
@@ -7114,9 +6429,9 @@
           <p:grpSpPr>
             <a:xfrm>
               <a:off x="7277760" y="3657240"/>
-              <a:ext cx="2042280" cy="1599840"/>
+              <a:ext cx="2041560" cy="1599120"/>
               <a:chOff x="7277760" y="3657240"/>
-              <a:chExt cx="2042280" cy="1599840"/>
+              <a:chExt cx="2041560" cy="1599120"/>
             </a:xfrm>
           </p:grpSpPr>
           <p:sp>
@@ -7128,7 +6443,7 @@
             <p:spPr>
               <a:xfrm>
                 <a:off x="7277760" y="3657240"/>
-                <a:ext cx="2042280" cy="1524600"/>
+                <a:ext cx="2041560" cy="1523880"/>
               </a:xfrm>
               <a:custGeom>
                 <a:avLst/>
@@ -7176,7 +6491,7 @@
             <p:spPr>
               <a:xfrm>
                 <a:off x="7277760" y="3657240"/>
-                <a:ext cx="1382040" cy="1599840"/>
+                <a:ext cx="1381320" cy="1599120"/>
               </a:xfrm>
               <a:prstGeom prst="rect">
                 <a:avLst/>
@@ -7203,7 +6518,7 @@
           <p:spPr>
             <a:xfrm>
               <a:off x="7270200" y="4341960"/>
-              <a:ext cx="2042280" cy="251640"/>
+              <a:ext cx="2041560" cy="250920"/>
             </a:xfrm>
             <a:prstGeom prst="rect">
               <a:avLst/>
@@ -7255,7 +6570,7 @@
           <p:spPr>
             <a:xfrm>
               <a:off x="7499880" y="3658320"/>
-              <a:ext cx="430920" cy="526320"/>
+              <a:ext cx="430200" cy="525600"/>
             </a:xfrm>
             <a:prstGeom prst="rect">
               <a:avLst/>
@@ -7290,6 +6605,7 @@
                     <a:srgbClr val="ffffff"/>
                   </a:solidFill>
                   <a:latin typeface="Amasis MT Pro Medium"/>
+                  <a:ea typeface="DejaVu Sans"/>
                 </a:rPr>
                 <a:t>6</a:t>
               </a:r>
@@ -7309,9 +6625,9 @@
         <p:grpSpPr>
           <a:xfrm>
             <a:off x="4806720" y="3664800"/>
-            <a:ext cx="2046240" cy="1599840"/>
+            <a:ext cx="2045520" cy="1599120"/>
             <a:chOff x="4806720" y="3664800"/>
-            <a:chExt cx="2046240" cy="1599840"/>
+            <a:chExt cx="2045520" cy="1599120"/>
           </a:xfrm>
         </p:grpSpPr>
         <p:grpSp>
@@ -7323,9 +6639,9 @@
           <p:grpSpPr>
             <a:xfrm>
               <a:off x="4810680" y="3664800"/>
-              <a:ext cx="2042280" cy="1599840"/>
+              <a:ext cx="2041560" cy="1599120"/>
               <a:chOff x="4810680" y="3664800"/>
-              <a:chExt cx="2042280" cy="1599840"/>
+              <a:chExt cx="2041560" cy="1599120"/>
             </a:xfrm>
           </p:grpSpPr>
           <p:sp>
@@ -7337,7 +6653,7 @@
             <p:spPr>
               <a:xfrm>
                 <a:off x="4810680" y="3664800"/>
-                <a:ext cx="2042280" cy="1524600"/>
+                <a:ext cx="2041560" cy="1523880"/>
               </a:xfrm>
               <a:custGeom>
                 <a:avLst/>
@@ -7385,7 +6701,7 @@
             <p:spPr>
               <a:xfrm>
                 <a:off x="4810680" y="3664800"/>
-                <a:ext cx="1382040" cy="1599840"/>
+                <a:ext cx="1381320" cy="1599120"/>
               </a:xfrm>
               <a:prstGeom prst="rect">
                 <a:avLst/>
@@ -7412,7 +6728,7 @@
           <p:spPr>
             <a:xfrm>
               <a:off x="4806720" y="4308480"/>
-              <a:ext cx="2042280" cy="259560"/>
+              <a:ext cx="2041560" cy="258840"/>
             </a:xfrm>
             <a:prstGeom prst="rect">
               <a:avLst/>
@@ -7464,7 +6780,7 @@
           <p:spPr>
             <a:xfrm>
               <a:off x="5032800" y="3666600"/>
-              <a:ext cx="430920" cy="526320"/>
+              <a:ext cx="430200" cy="525600"/>
             </a:xfrm>
             <a:prstGeom prst="rect">
               <a:avLst/>
@@ -7499,6 +6815,7 @@
                     <a:srgbClr val="ffffff"/>
                   </a:solidFill>
                   <a:latin typeface="Amasis MT Pro Medium"/>
+                  <a:ea typeface="DejaVu Sans"/>
                 </a:rPr>
                 <a:t>5</a:t>
               </a:r>
@@ -7518,9 +6835,9 @@
         <p:grpSpPr>
           <a:xfrm>
             <a:off x="2325600" y="3657240"/>
-            <a:ext cx="2046600" cy="1599840"/>
+            <a:ext cx="2045880" cy="1599120"/>
             <a:chOff x="2325600" y="3657240"/>
-            <a:chExt cx="2046600" cy="1599840"/>
+            <a:chExt cx="2045880" cy="1599120"/>
           </a:xfrm>
         </p:grpSpPr>
         <p:grpSp>
@@ -7532,9 +6849,9 @@
           <p:grpSpPr>
             <a:xfrm>
               <a:off x="2329920" y="3657240"/>
-              <a:ext cx="2042280" cy="1599840"/>
+              <a:ext cx="2041560" cy="1599120"/>
               <a:chOff x="2329920" y="3657240"/>
-              <a:chExt cx="2042280" cy="1599840"/>
+              <a:chExt cx="2041560" cy="1599120"/>
             </a:xfrm>
           </p:grpSpPr>
           <p:sp>
@@ -7546,7 +6863,7 @@
             <p:spPr>
               <a:xfrm>
                 <a:off x="2329920" y="3657240"/>
-                <a:ext cx="2042280" cy="1524600"/>
+                <a:ext cx="2041560" cy="1523880"/>
               </a:xfrm>
               <a:custGeom>
                 <a:avLst/>
@@ -7594,7 +6911,7 @@
             <p:spPr>
               <a:xfrm>
                 <a:off x="2329920" y="3657240"/>
-                <a:ext cx="1382040" cy="1599840"/>
+                <a:ext cx="1381320" cy="1599120"/>
               </a:xfrm>
               <a:prstGeom prst="rect">
                 <a:avLst/>
@@ -7621,7 +6938,7 @@
           <p:spPr>
             <a:xfrm>
               <a:off x="2325600" y="4299840"/>
-              <a:ext cx="2038680" cy="251640"/>
+              <a:ext cx="2037960" cy="250920"/>
             </a:xfrm>
             <a:prstGeom prst="rect">
               <a:avLst/>
@@ -7673,7 +6990,7 @@
           <p:spPr>
             <a:xfrm>
               <a:off x="2551680" y="3659760"/>
-              <a:ext cx="430920" cy="526320"/>
+              <a:ext cx="430200" cy="525600"/>
             </a:xfrm>
             <a:prstGeom prst="rect">
               <a:avLst/>
@@ -7708,6 +7025,7 @@
                     <a:srgbClr val="ffffff"/>
                   </a:solidFill>
                   <a:latin typeface="Amasis MT Pro Medium"/>
+                  <a:ea typeface="DejaVu Sans"/>
                 </a:rPr>
                 <a:t>4</a:t>
               </a:r>
@@ -7727,9 +7045,9 @@
         <p:grpSpPr>
           <a:xfrm>
             <a:off x="7277760" y="1865160"/>
-            <a:ext cx="2046600" cy="1599840"/>
+            <a:ext cx="2045880" cy="1599120"/>
             <a:chOff x="7277760" y="1865160"/>
-            <a:chExt cx="2046600" cy="1599840"/>
+            <a:chExt cx="2045880" cy="1599120"/>
           </a:xfrm>
         </p:grpSpPr>
         <p:grpSp>
@@ -7741,9 +7059,9 @@
           <p:grpSpPr>
             <a:xfrm>
               <a:off x="7282080" y="1865160"/>
-              <a:ext cx="2042280" cy="1599840"/>
+              <a:ext cx="2041560" cy="1599120"/>
               <a:chOff x="7282080" y="1865160"/>
-              <a:chExt cx="2042280" cy="1599840"/>
+              <a:chExt cx="2041560" cy="1599120"/>
             </a:xfrm>
           </p:grpSpPr>
           <p:sp>
@@ -7755,7 +7073,7 @@
             <p:spPr>
               <a:xfrm>
                 <a:off x="7282080" y="1865160"/>
-                <a:ext cx="2042280" cy="1524600"/>
+                <a:ext cx="2041560" cy="1523880"/>
               </a:xfrm>
               <a:custGeom>
                 <a:avLst/>
@@ -7803,7 +7121,7 @@
             <p:spPr>
               <a:xfrm>
                 <a:off x="7282080" y="1865160"/>
-                <a:ext cx="1382040" cy="1599840"/>
+                <a:ext cx="1381320" cy="1599120"/>
               </a:xfrm>
               <a:prstGeom prst="rect">
                 <a:avLst/>
@@ -7830,7 +7148,7 @@
           <p:spPr>
             <a:xfrm>
               <a:off x="7277760" y="2507760"/>
-              <a:ext cx="2038680" cy="251640"/>
+              <a:ext cx="2037960" cy="250920"/>
             </a:xfrm>
             <a:prstGeom prst="rect">
               <a:avLst/>
@@ -7882,7 +7200,7 @@
           <p:spPr>
             <a:xfrm>
               <a:off x="7503840" y="1867680"/>
-              <a:ext cx="430920" cy="526320"/>
+              <a:ext cx="430200" cy="525600"/>
             </a:xfrm>
             <a:prstGeom prst="rect">
               <a:avLst/>
@@ -7917,6 +7235,7 @@
                     <a:srgbClr val="ffffff"/>
                   </a:solidFill>
                   <a:latin typeface="Amasis MT Pro Medium"/>
+                  <a:ea typeface="DejaVu Sans"/>
                 </a:rPr>
                 <a:t>3</a:t>
               </a:r>
@@ -7934,7 +7253,7 @@
             <a:spLocks noGrp="1"/>
           </p:cNvSpPr>
           <p:nvPr>
-            <p:ph type="ftr" idx="5"/>
+            <p:ph type="ftr" idx="4"/>
           </p:nvPr>
         </p:nvSpPr>
         <p:spPr/>
@@ -7954,14 +7273,14 @@
             <a:spLocks noGrp="1"/>
           </p:cNvSpPr>
           <p:nvPr>
-            <p:ph type="sldNum" idx="6"/>
+            <p:ph type="sldNum" idx="5"/>
           </p:nvPr>
         </p:nvSpPr>
         <p:spPr/>
         <p:txBody>
           <a:bodyPr/>
           <a:p>
-            <a:fld id="{8CCDA486-2DDE-4CB0-92F2-3545DC77F635}" type="slidenum">
+            <a:fld id="{B73AA6F1-B584-47EC-8183-A78593BE451A}" type="slidenum">
               <a:t>2</a:t>
             </a:fld>
           </a:p>
@@ -7974,14 +7293,14 @@
             <a:spLocks noGrp="1"/>
           </p:cNvSpPr>
           <p:nvPr>
-            <p:ph type="dt" idx="4"/>
+            <p:ph type="dt" idx="6"/>
           </p:nvPr>
         </p:nvSpPr>
         <p:spPr/>
         <p:txBody>
           <a:bodyPr/>
           <a:p>
-            <a:fld id="{DA22A09A-FBA9-4432-8FC3-E6704926D27E}" type="datetime1">
+            <a:fld id="{9E0D1539-5CBB-4BA8-B605-700F8F2811AA}" type="datetime1">
               <a:rPr lang="en-CA"/>
               <a:t>2025-02-21</a:t>
             </a:fld>
@@ -8030,19 +7349,19 @@
         </p:nvSpPr>
         <p:spPr>
           <a:xfrm>
-            <a:off x="838080" y="365040"/>
-            <a:ext cx="10515240" cy="1325160"/>
-          </a:xfrm>
-          <a:prstGeom prst="rect">
-            <a:avLst/>
-          </a:prstGeom>
-          <a:noFill/>
-          <a:ln w="0">
-            <a:noFill/>
-          </a:ln>
-        </p:spPr>
-        <p:txBody>
-          <a:bodyPr anchor="ctr">
+            <a:off x="838080" y="180000"/>
+            <a:ext cx="10514520" cy="1324440"/>
+          </a:xfrm>
+          <a:prstGeom prst="rect">
+            <a:avLst/>
+          </a:prstGeom>
+          <a:noFill/>
+          <a:ln w="0">
+            <a:noFill/>
+          </a:ln>
+        </p:spPr>
+        <p:txBody>
+          <a:bodyPr lIns="90000" rIns="90000" tIns="45000" bIns="45000" anchor="ctr">
             <a:noAutofit/>
           </a:bodyPr>
           <a:p>
@@ -8061,11 +7380,8 @@
               </a:rPr>
               <a:t>Section 1</a:t>
             </a:r>
-            <a:endParaRPr b="0" lang="en-US" sz="4400" spc="-1" strike="noStrike">
-              <a:solidFill>
-                <a:srgbClr val="000000"/>
-              </a:solidFill>
-              <a:latin typeface="Amasis MT Pro Medium"/>
+            <a:endParaRPr b="0" lang="en-CA" sz="4400" spc="-1" strike="noStrike">
+              <a:latin typeface="Arial"/>
             </a:endParaRPr>
           </a:p>
         </p:txBody>
@@ -8083,18 +7399,18 @@
         <p:spPr>
           <a:xfrm>
             <a:off x="838080" y="1439640"/>
-            <a:ext cx="10515240" cy="4916520"/>
-          </a:xfrm>
-          <a:prstGeom prst="rect">
-            <a:avLst/>
-          </a:prstGeom>
-          <a:noFill/>
-          <a:ln w="0">
-            <a:noFill/>
-          </a:ln>
-        </p:spPr>
-        <p:txBody>
-          <a:bodyPr anchor="t">
+            <a:ext cx="10514520" cy="4915800"/>
+          </a:xfrm>
+          <a:prstGeom prst="rect">
+            <a:avLst/>
+          </a:prstGeom>
+          <a:noFill/>
+          <a:ln w="0">
+            <a:noFill/>
+          </a:ln>
+        </p:spPr>
+        <p:txBody>
+          <a:bodyPr lIns="90000" rIns="90000" tIns="45000" bIns="45000" anchor="t">
             <a:normAutofit/>
           </a:bodyPr>
           <a:p>
@@ -8120,11 +7436,8 @@
               </a:rPr>
               <a:t>Texte</a:t>
             </a:r>
-            <a:endParaRPr b="0" lang="en-US" sz="2800" spc="-1" strike="noStrike">
-              <a:solidFill>
-                <a:srgbClr val="000000"/>
-              </a:solidFill>
-              <a:latin typeface="Amasis MT Pro Medium"/>
+            <a:endParaRPr b="0" lang="en-CA" sz="2800" spc="-1" strike="noStrike">
+              <a:latin typeface="Arial"/>
             </a:endParaRPr>
           </a:p>
           <a:p>
@@ -8150,11 +7463,8 @@
               </a:rPr>
               <a:t>Texte</a:t>
             </a:r>
-            <a:endParaRPr b="0" lang="en-US" sz="2800" spc="-1" strike="noStrike">
-              <a:solidFill>
-                <a:srgbClr val="000000"/>
-              </a:solidFill>
-              <a:latin typeface="Amasis MT Pro Medium"/>
+            <a:endParaRPr b="0" lang="en-CA" sz="2800" spc="-1" strike="noStrike">
+              <a:latin typeface="Arial"/>
             </a:endParaRPr>
           </a:p>
           <a:p>
@@ -8167,14 +7477,64 @@
               </a:spcBef>
               <a:buNone/>
             </a:pPr>
-            <a:endParaRPr b="0" lang="en-US" sz="2800" spc="-1" strike="noStrike">
-              <a:solidFill>
-                <a:srgbClr val="000000"/>
-              </a:solidFill>
-              <a:latin typeface="Amasis MT Pro Medium"/>
-            </a:endParaRPr>
-          </a:p>
-        </p:txBody>
+            <a:endParaRPr b="0" lang="en-CA" sz="2800" spc="-1" strike="noStrike">
+              <a:latin typeface="Arial"/>
+            </a:endParaRPr>
+          </a:p>
+        </p:txBody>
+      </p:sp>
+      <p:pic>
+        <p:nvPicPr>
+          <p:cNvPr id="127" name="" descr="">
+            <a:hlinkClick r:id="rId1"/>
+          </p:cNvPr>
+          <p:cNvPicPr/>
+          <p:nvPr/>
+        </p:nvPicPr>
+        <p:blipFill>
+          <a:blip r:embed="rId2"/>
+          <a:stretch/>
+        </p:blipFill>
+        <p:spPr>
+          <a:xfrm>
+            <a:off x="11880000" y="6545880"/>
+            <a:ext cx="311760" cy="311760"/>
+          </a:xfrm>
+          <a:prstGeom prst="rect">
+            <a:avLst/>
+          </a:prstGeom>
+          <a:ln w="0">
+            <a:noFill/>
+          </a:ln>
+        </p:spPr>
+      </p:pic>
+      <p:sp>
+        <p:nvSpPr>
+          <p:cNvPr id="128" name=""/>
+          <p:cNvSpPr/>
+          <p:nvPr/>
+        </p:nvSpPr>
+        <p:spPr>
+          <a:xfrm>
+            <a:off x="828000" y="1188000"/>
+            <a:ext cx="10080000" cy="0"/>
+          </a:xfrm>
+          <a:prstGeom prst="line">
+            <a:avLst/>
+          </a:prstGeom>
+          <a:ln w="36000">
+            <a:solidFill>
+              <a:srgbClr val="158466"/>
+            </a:solidFill>
+            <a:round/>
+          </a:ln>
+        </p:spPr>
+        <p:style>
+          <a:lnRef idx="0"/>
+          <a:fillRef idx="0"/>
+          <a:effectRef idx="0"/>
+          <a:fontRef idx="minor"/>
+        </p:style>
       </p:sp>
       <p:sp>
         <p:nvSpPr>
@@ -8183,7 +7543,7 @@
             <a:spLocks noGrp="1"/>
           </p:cNvSpPr>
           <p:nvPr>
-            <p:ph type="ftr" idx="5"/>
+            <p:ph type="ftr" idx="4"/>
           </p:nvPr>
         </p:nvSpPr>
         <p:spPr/>
@@ -8203,14 +7563,14 @@
             <a:spLocks noGrp="1"/>
           </p:cNvSpPr>
           <p:nvPr>
-            <p:ph type="sldNum" idx="6"/>
+            <p:ph type="sldNum" idx="5"/>
           </p:nvPr>
         </p:nvSpPr>
         <p:spPr/>
         <p:txBody>
           <a:bodyPr/>
           <a:p>
-            <a:fld id="{F3F7F430-15BA-49D2-AA4D-9B14220B4344}" type="slidenum">
+            <a:fld id="{F45E3CB8-DE10-4155-9B87-6BA6AA912128}" type="slidenum">
               <a:t>3</a:t>
             </a:fld>
           </a:p>
@@ -8223,14 +7583,14 @@
             <a:spLocks noGrp="1"/>
           </p:cNvSpPr>
           <p:nvPr>
-            <p:ph type="dt" idx="4"/>
+            <p:ph type="dt" idx="6"/>
           </p:nvPr>
         </p:nvSpPr>
         <p:spPr/>
         <p:txBody>
           <a:bodyPr/>
           <a:p>
-            <a:fld id="{870D6B47-DECC-4B23-8E30-D35102DB03D5}" type="datetime1">
+            <a:fld id="{527381DC-01F2-4F3A-9F3B-63C91F1EF270}" type="datetime1">
               <a:rPr lang="en-CA"/>
               <a:t>2025-02-21</a:t>
             </a:fld>
